--- a/gaFXGradle/AbgabeKovalenko/PrasentationKovalenko.pptx
+++ b/gaFXGradle/AbgabeKovalenko/PrasentationKovalenko.pptx
@@ -9,6 +9,7 @@
     <p:sldId id="257" r:id="rId3"/>
     <p:sldId id="258" r:id="rId4"/>
     <p:sldId id="259" r:id="rId5"/>
+    <p:sldId id="260" r:id="rId6"/>
   </p:sldIdLst>
   <p:sldSz cx="12192000" cy="6858000"/>
   <p:notesSz cx="6858000" cy="9144000"/>
@@ -107,6 +108,11 @@
       </a:defRPr>
     </a:lvl9pPr>
   </p:defaultTextStyle>
+  <p:extLst>
+    <p:ext uri="{EFAFB233-063F-42B5-8137-9DF3F51BA10A}">
+      <p15:sldGuideLst xmlns:p15="http://schemas.microsoft.com/office/powerpoint/2012/main"/>
+    </p:ext>
+  </p:extLst>
 </p:presentation>
 </file>
 
@@ -3817,6 +3823,12 @@
             </a:r>
           </a:p>
           <a:p>
+            <a:r>
+              <a:rPr lang="de-DE" dirty="0"/>
+              <a:t>Populationsgröße betrug 250 </a:t>
+            </a:r>
+          </a:p>
+          <a:p>
             <a:pPr marL="0" indent="0">
               <a:buNone/>
             </a:pPr>
@@ -4071,6 +4083,110 @@
     <p:extLst>
       <p:ext uri="{BB962C8B-B14F-4D97-AF65-F5344CB8AC3E}">
         <p14:creationId xmlns:p14="http://schemas.microsoft.com/office/powerpoint/2010/main" val="1535916665"/>
+      </p:ext>
+    </p:extLst>
+  </p:cSld>
+  <p:clrMapOvr>
+    <a:masterClrMapping/>
+  </p:clrMapOvr>
+</p:sld>
+</file>
+
+<file path=ppt/slides/slide5.xml><?xml version="1.0" encoding="utf-8"?>
+<p:sld xmlns:a="http://schemas.openxmlformats.org/drawingml/2006/main" xmlns:r="http://schemas.openxmlformats.org/officeDocument/2006/relationships" xmlns:p="http://schemas.openxmlformats.org/presentationml/2006/main">
+  <p:cSld>
+    <p:spTree>
+      <p:nvGrpSpPr>
+        <p:cNvPr id="1" name=""/>
+        <p:cNvGrpSpPr/>
+        <p:nvPr/>
+      </p:nvGrpSpPr>
+      <p:grpSpPr>
+        <a:xfrm>
+          <a:off x="0" y="0"/>
+          <a:ext cx="0" cy="0"/>
+          <a:chOff x="0" y="0"/>
+          <a:chExt cx="0" cy="0"/>
+        </a:xfrm>
+      </p:grpSpPr>
+      <p:sp>
+        <p:nvSpPr>
+          <p:cNvPr id="2" name="Titel 1">
+            <a:extLst>
+              <a:ext uri="{FF2B5EF4-FFF2-40B4-BE49-F238E27FC236}">
+                <a16:creationId xmlns:a16="http://schemas.microsoft.com/office/drawing/2014/main" id="{737BCF24-1F83-4F06-9C0E-5BEFD6417B8E}"/>
+              </a:ext>
+            </a:extLst>
+          </p:cNvPr>
+          <p:cNvSpPr>
+            <a:spLocks noGrp="1"/>
+          </p:cNvSpPr>
+          <p:nvPr>
+            <p:ph type="title"/>
+          </p:nvPr>
+        </p:nvSpPr>
+        <p:spPr/>
+        <p:txBody>
+          <a:bodyPr/>
+          <a:lstStyle/>
+          <a:p>
+            <a:r>
+              <a:rPr lang="de-DE" dirty="0" err="1"/>
+              <a:t>Fitnessfuktion</a:t>
+            </a:r>
+            <a:endParaRPr lang="de-DE" dirty="0"/>
+          </a:p>
+        </p:txBody>
+      </p:sp>
+      <p:sp>
+        <p:nvSpPr>
+          <p:cNvPr id="3" name="Inhaltsplatzhalter 2">
+            <a:extLst>
+              <a:ext uri="{FF2B5EF4-FFF2-40B4-BE49-F238E27FC236}">
+                <a16:creationId xmlns:a16="http://schemas.microsoft.com/office/drawing/2014/main" id="{E7A05325-DBFA-48F0-8669-D4AE1AC602E0}"/>
+              </a:ext>
+            </a:extLst>
+          </p:cNvPr>
+          <p:cNvSpPr>
+            <a:spLocks noGrp="1"/>
+          </p:cNvSpPr>
+          <p:nvPr>
+            <p:ph idx="1"/>
+          </p:nvPr>
+        </p:nvSpPr>
+        <p:spPr/>
+        <p:txBody>
+          <a:bodyPr/>
+          <a:lstStyle/>
+          <a:p>
+            <a:r>
+              <a:rPr lang="en-CA" dirty="0" err="1"/>
+              <a:t>Jede</a:t>
+            </a:r>
+            <a:r>
+              <a:rPr lang="en-CA" dirty="0"/>
+              <a:t> L</a:t>
+            </a:r>
+            <a:r>
+              <a:rPr lang="de-DE" dirty="0" err="1"/>
+              <a:t>ösung</a:t>
+            </a:r>
+            <a:r>
+              <a:rPr lang="de-DE" dirty="0"/>
+              <a:t> wird bewertet und mit einem Score </a:t>
+            </a:r>
+            <a:r>
+              <a:rPr lang="de-DE" dirty="0" err="1"/>
+              <a:t>be</a:t>
+            </a:r>
+            <a:endParaRPr lang="de-DE" dirty="0"/>
+          </a:p>
+        </p:txBody>
+      </p:sp>
+    </p:spTree>
+    <p:extLst>
+      <p:ext uri="{BB962C8B-B14F-4D97-AF65-F5344CB8AC3E}">
+        <p14:creationId xmlns:p14="http://schemas.microsoft.com/office/powerpoint/2010/main" val="1873718297"/>
       </p:ext>
     </p:extLst>
   </p:cSld>

--- a/gaFXGradle/AbgabeKovalenko/PrasentationKovalenko.pptx
+++ b/gaFXGradle/AbgabeKovalenko/PrasentationKovalenko.pptx
@@ -10,6 +10,9 @@
     <p:sldId id="258" r:id="rId4"/>
     <p:sldId id="259" r:id="rId5"/>
     <p:sldId id="260" r:id="rId6"/>
+    <p:sldId id="261" r:id="rId7"/>
+    <p:sldId id="262" r:id="rId8"/>
+    <p:sldId id="263" r:id="rId9"/>
   </p:sldIdLst>
   <p:sldSz cx="12192000" cy="6858000"/>
   <p:notesSz cx="6858000" cy="9144000"/>
@@ -3352,41 +3355,16 @@
           <a:lstStyle/>
           <a:p>
             <a:r>
-              <a:rPr lang="en-CA" dirty="0" err="1"/>
-              <a:t>Neuronale</a:t>
-            </a:r>
-            <a:r>
-              <a:rPr lang="en-CA" dirty="0"/>
-              <a:t> </a:t>
-            </a:r>
-            <a:r>
-              <a:rPr lang="en-CA" dirty="0" err="1"/>
-              <a:t>Netze</a:t>
-            </a:r>
-            <a:r>
-              <a:rPr lang="en-CA" dirty="0"/>
-              <a:t> </a:t>
-            </a:r>
-            <a:r>
-              <a:rPr lang="en-CA" dirty="0" err="1"/>
-              <a:t>mit</a:t>
+              <a:rPr lang="de-DE"/>
+              <a:t>Neuronale Netze mit</a:t>
             </a:r>
             <a:br>
-              <a:rPr lang="en-CA" dirty="0"/>
+              <a:rPr lang="de-DE"/>
             </a:br>
             <a:r>
-              <a:rPr lang="en-CA" dirty="0" err="1"/>
-              <a:t>genetischen</a:t>
-            </a:r>
-            <a:r>
-              <a:rPr lang="en-CA" dirty="0"/>
-              <a:t> </a:t>
-            </a:r>
-            <a:r>
-              <a:rPr lang="en-CA" dirty="0" err="1"/>
-              <a:t>Algorithmen</a:t>
-            </a:r>
-            <a:endParaRPr lang="de-DE" dirty="0"/>
+              <a:rPr lang="de-DE"/>
+              <a:t>genetischen Algorithmen</a:t>
+            </a:r>
           </a:p>
         </p:txBody>
       </p:sp>
@@ -3414,41 +3392,27 @@
           <a:lstStyle/>
           <a:p>
             <a:r>
-              <a:rPr lang="en-CA" dirty="0"/>
+              <a:rPr lang="de-DE" dirty="0"/>
               <a:t>Rodion Kovalenko </a:t>
             </a:r>
           </a:p>
           <a:p>
             <a:r>
-              <a:rPr lang="en-CA" dirty="0" err="1"/>
-              <a:t>Matrikelnummer</a:t>
-            </a:r>
-            <a:r>
-              <a:rPr lang="en-CA" dirty="0"/>
-              <a:t> 3009393 </a:t>
-            </a:r>
-          </a:p>
-          <a:p>
-            <a:r>
-              <a:rPr lang="en-CA" dirty="0" err="1"/>
-              <a:t>Studiengang</a:t>
-            </a:r>
-            <a:r>
-              <a:rPr lang="en-CA" dirty="0"/>
-              <a:t>: Master </a:t>
-            </a:r>
-            <a:r>
-              <a:rPr lang="en-CA" dirty="0" err="1"/>
-              <a:t>Wirtschaftsinformatik</a:t>
-            </a:r>
-            <a:endParaRPr lang="en-CA" dirty="0"/>
-          </a:p>
-          <a:p>
-            <a:r>
-              <a:rPr lang="en-CA" dirty="0"/>
+              <a:rPr lang="de-DE" dirty="0"/>
+              <a:t>Matrikelnummer 3009393 </a:t>
+            </a:r>
+          </a:p>
+          <a:p>
+            <a:r>
+              <a:rPr lang="de-DE" dirty="0"/>
+              <a:t>Studiengang: Master Wirtschaftsinformatik</a:t>
+            </a:r>
+          </a:p>
+          <a:p>
+            <a:r>
+              <a:rPr lang="de-DE" dirty="0"/>
               <a:t>SS 2019</a:t>
             </a:r>
-            <a:endParaRPr lang="de-DE" dirty="0"/>
           </a:p>
         </p:txBody>
       </p:sp>
@@ -3528,39 +3492,54 @@
         </p:nvSpPr>
         <p:spPr/>
         <p:txBody>
-          <a:bodyPr/>
+          <a:bodyPr>
+            <a:normAutofit/>
+          </a:bodyPr>
           <a:lstStyle/>
           <a:p>
-            <a:endParaRPr lang="en-CA" dirty="0"/>
-          </a:p>
-          <a:p>
-            <a:r>
-              <a:rPr lang="en-CA" dirty="0" err="1"/>
+            <a:r>
+              <a:rPr lang="de-DE" sz="3200" dirty="0"/>
               <a:t>Trainieren</a:t>
             </a:r>
             <a:r>
-              <a:rPr lang="en-CA" dirty="0"/>
-              <a:t> der k</a:t>
-            </a:r>
-            <a:r>
-              <a:rPr lang="de-DE" dirty="0" err="1"/>
-              <a:t>ünstlichen</a:t>
-            </a:r>
-            <a:r>
-              <a:rPr lang="de-DE" dirty="0"/>
-              <a:t> neuronalen Netze (NN) mit genetischen Algorithmen </a:t>
-            </a:r>
-          </a:p>
-          <a:p>
-            <a:r>
-              <a:rPr lang="de-DE" dirty="0"/>
+              <a:rPr lang="en-CA" sz="3200" dirty="0"/>
+              <a:t> des </a:t>
+            </a:r>
+            <a:r>
+              <a:rPr lang="de-DE" sz="3200" dirty="0"/>
+              <a:t>dreischichtigen</a:t>
+            </a:r>
+            <a:r>
+              <a:rPr lang="en-CA" sz="3200" dirty="0"/>
+              <a:t> </a:t>
+            </a:r>
+            <a:r>
+              <a:rPr lang="de-DE" sz="3200" dirty="0"/>
+              <a:t>neuronalen Netzes (NN) mit genetischen Algorithmen </a:t>
+            </a:r>
+          </a:p>
+          <a:p>
+            <a:r>
+              <a:rPr lang="de-DE" sz="3200" dirty="0"/>
               <a:t>Vergleich von NN trainiert mit Backpropagation und genetischen Algorithmen (GA) </a:t>
             </a:r>
           </a:p>
           <a:p>
             <a:r>
-              <a:rPr lang="de-DE" dirty="0"/>
-              <a:t>Implementierung des Projektes </a:t>
+              <a:rPr lang="de-DE" sz="3200" dirty="0"/>
+              <a:t>NN für Erkennung handgeschriebene Zahlen</a:t>
+            </a:r>
+          </a:p>
+          <a:p>
+            <a:r>
+              <a:rPr lang="de-DE" sz="3200" dirty="0"/>
+              <a:t>Verwendung von MNIST-Datenbank mit 60.000 Trainingsmustern</a:t>
+            </a:r>
+          </a:p>
+          <a:p>
+            <a:r>
+              <a:rPr lang="de-DE" sz="3200" dirty="0"/>
+              <a:t>Test mit MNIST-Testdatensatz auf 10.000 Testmustern</a:t>
             </a:r>
           </a:p>
         </p:txBody>
@@ -3693,7 +3672,7 @@
             </a:pPr>
             <a:r>
               <a:rPr lang="de-DE" dirty="0"/>
-              <a:t>Wiederhol die Schritte von 1 bis 5 bis eine passende Lösung gefunden wird. </a:t>
+              <a:t>Wiederhol die Schritte von 2 bis 5 bis eine passende Lösung gefunden wird. </a:t>
             </a:r>
           </a:p>
         </p:txBody>
@@ -3751,7 +3730,7 @@
           <a:p>
             <a:r>
               <a:rPr lang="de-DE" dirty="0"/>
-              <a:t>1. </a:t>
+              <a:t> </a:t>
             </a:r>
             <a:r>
               <a:rPr lang="de-DE" dirty="0" err="1"/>
@@ -3779,7 +3758,9 @@
         </p:nvSpPr>
         <p:spPr/>
         <p:txBody>
-          <a:bodyPr/>
+          <a:bodyPr>
+            <a:normAutofit fontScale="77500" lnSpcReduction="20000"/>
+          </a:bodyPr>
           <a:lstStyle/>
           <a:p>
             <a:r>
@@ -3811,21 +3792,44 @@
             <a:pPr marL="0" indent="0">
               <a:buNone/>
             </a:pPr>
-            <a:endParaRPr lang="de-DE" dirty="0"/>
+            <a:r>
+              <a:rPr lang="de-DE" sz="1900" dirty="0" err="1"/>
+              <a:t>Outputschicht</a:t>
+            </a:r>
+            <a:endParaRPr lang="de-DE" sz="1900" dirty="0"/>
           </a:p>
           <a:p>
             <a:pPr marL="0" indent="0">
               <a:buNone/>
             </a:pPr>
             <a:r>
-              <a:rPr lang="de-DE" dirty="0"/>
-              <a:t>Wo G ein Gewichtswert von 1 bis 784 (28 x 28 Pixel Bild) </a:t>
-            </a:r>
-          </a:p>
-          <a:p>
-            <a:r>
-              <a:rPr lang="de-DE" dirty="0"/>
-              <a:t>Populationsgröße betrug 250 </a:t>
+              <a:rPr lang="de-DE" sz="1900" dirty="0"/>
+              <a:t>Gewichtswerte </a:t>
+            </a:r>
+          </a:p>
+          <a:p>
+            <a:pPr marL="0" indent="0">
+              <a:buNone/>
+            </a:pPr>
+            <a:endParaRPr lang="de-DE" sz="1900" dirty="0"/>
+          </a:p>
+          <a:p>
+            <a:pPr marL="0" indent="0">
+              <a:buNone/>
+            </a:pPr>
+            <a:r>
+              <a:rPr lang="de-DE" sz="1900" dirty="0" err="1"/>
+              <a:t>Hiddenschicht</a:t>
+            </a:r>
+            <a:endParaRPr lang="de-DE" sz="1900" dirty="0"/>
+          </a:p>
+          <a:p>
+            <a:pPr marL="0" indent="0">
+              <a:buNone/>
+            </a:pPr>
+            <a:r>
+              <a:rPr lang="de-DE" sz="1900" dirty="0"/>
+              <a:t>Gewichtswerte</a:t>
             </a:r>
           </a:p>
           <a:p>
@@ -3833,6 +3837,40 @@
               <a:buNone/>
             </a:pPr>
             <a:endParaRPr lang="de-DE" dirty="0"/>
+          </a:p>
+          <a:p>
+            <a:pPr marL="0" indent="0">
+              <a:buNone/>
+            </a:pPr>
+            <a:r>
+              <a:rPr lang="de-DE" sz="2100" dirty="0"/>
+              <a:t>Inputschicht</a:t>
+            </a:r>
+            <a:endParaRPr lang="de-DE" dirty="0"/>
+          </a:p>
+          <a:p>
+            <a:pPr marL="0" indent="0">
+              <a:buNone/>
+            </a:pPr>
+            <a:endParaRPr lang="de-DE" dirty="0"/>
+          </a:p>
+          <a:p>
+            <a:pPr marL="0" indent="0">
+              <a:buNone/>
+            </a:pPr>
+            <a:r>
+              <a:rPr lang="de-DE" dirty="0"/>
+              <a:t>Wo G ein Gewichtswert ist</a:t>
+            </a:r>
+          </a:p>
+          <a:p>
+            <a:pPr marL="0" indent="0">
+              <a:buNone/>
+            </a:pPr>
+            <a:r>
+              <a:rPr lang="de-DE" dirty="0"/>
+              <a:t> </a:t>
+            </a:r>
           </a:p>
         </p:txBody>
       </p:sp>
@@ -3851,14 +3889,14 @@
           <p:nvPr>
             <p:extLst>
               <p:ext uri="{D42A27DB-BD31-4B8C-83A1-F6EECF244321}">
-                <p14:modId xmlns:p14="http://schemas.microsoft.com/office/powerpoint/2010/main" val="3975694845"/>
+                <p14:modId xmlns:p14="http://schemas.microsoft.com/office/powerpoint/2010/main" val="2074745251"/>
               </p:ext>
             </p:extLst>
           </p:nvPr>
         </p:nvGraphicFramePr>
         <p:xfrm>
-          <a:off x="1097280" y="3058160"/>
-          <a:ext cx="9113520" cy="370840"/>
+          <a:off x="2290089" y="3935411"/>
+          <a:ext cx="8689970" cy="370840"/>
         </p:xfrm>
         <a:graphic>
           <a:graphicData uri="http://schemas.openxmlformats.org/drawingml/2006/table">
@@ -3867,70 +3905,63 @@
                 <a:tableStyleId>{5C22544A-7EE6-4342-B048-85BDC9FD1C3A}</a:tableStyleId>
               </a:tblPr>
               <a:tblGrid>
-                <a:gridCol w="911352">
+                <a:gridCol w="940791">
                   <a:extLst>
                     <a:ext uri="{9D8B030D-6E8A-4147-A177-3AD203B41FA5}">
                       <a16:colId xmlns:a16="http://schemas.microsoft.com/office/drawing/2014/main" val="1782895875"/>
                     </a:ext>
                   </a:extLst>
                 </a:gridCol>
-                <a:gridCol w="911352">
-                  <a:extLst>
-                    <a:ext uri="{9D8B030D-6E8A-4147-A177-3AD203B41FA5}">
-                      <a16:colId xmlns:a16="http://schemas.microsoft.com/office/drawing/2014/main" val="3472475122"/>
-                    </a:ext>
-                  </a:extLst>
-                </a:gridCol>
-                <a:gridCol w="911352">
+                <a:gridCol w="1097280">
                   <a:extLst>
                     <a:ext uri="{9D8B030D-6E8A-4147-A177-3AD203B41FA5}">
                       <a16:colId xmlns:a16="http://schemas.microsoft.com/office/drawing/2014/main" val="3178825560"/>
                     </a:ext>
                   </a:extLst>
                 </a:gridCol>
-                <a:gridCol w="911352">
+                <a:gridCol w="1056640">
                   <a:extLst>
                     <a:ext uri="{9D8B030D-6E8A-4147-A177-3AD203B41FA5}">
                       <a16:colId xmlns:a16="http://schemas.microsoft.com/office/drawing/2014/main" val="934710950"/>
                     </a:ext>
                   </a:extLst>
                 </a:gridCol>
-                <a:gridCol w="911352">
+                <a:gridCol w="873760">
                   <a:extLst>
                     <a:ext uri="{9D8B030D-6E8A-4147-A177-3AD203B41FA5}">
                       <a16:colId xmlns:a16="http://schemas.microsoft.com/office/drawing/2014/main" val="672542897"/>
                     </a:ext>
                   </a:extLst>
                 </a:gridCol>
-                <a:gridCol w="911352">
+                <a:gridCol w="1245511">
                   <a:extLst>
                     <a:ext uri="{9D8B030D-6E8A-4147-A177-3AD203B41FA5}">
                       <a16:colId xmlns:a16="http://schemas.microsoft.com/office/drawing/2014/main" val="3346939598"/>
                     </a:ext>
                   </a:extLst>
                 </a:gridCol>
-                <a:gridCol w="911352">
+                <a:gridCol w="868997">
                   <a:extLst>
                     <a:ext uri="{9D8B030D-6E8A-4147-A177-3AD203B41FA5}">
                       <a16:colId xmlns:a16="http://schemas.microsoft.com/office/drawing/2014/main" val="1111046633"/>
                     </a:ext>
                   </a:extLst>
                 </a:gridCol>
-                <a:gridCol w="911352">
+                <a:gridCol w="868997">
                   <a:extLst>
                     <a:ext uri="{9D8B030D-6E8A-4147-A177-3AD203B41FA5}">
                       <a16:colId xmlns:a16="http://schemas.microsoft.com/office/drawing/2014/main" val="154745944"/>
                     </a:ext>
                   </a:extLst>
                 </a:gridCol>
-                <a:gridCol w="911352">
+                <a:gridCol w="868997">
                   <a:extLst>
                     <a:ext uri="{9D8B030D-6E8A-4147-A177-3AD203B41FA5}">
                       <a16:colId xmlns:a16="http://schemas.microsoft.com/office/drawing/2014/main" val="4027535716"/>
                     </a:ext>
                   </a:extLst>
                 </a:gridCol>
-                <a:gridCol w="911352">
+                <a:gridCol w="868997">
                   <a:extLst>
                     <a:ext uri="{9D8B030D-6E8A-4147-A177-3AD203B41FA5}">
                       <a16:colId xmlns:a16="http://schemas.microsoft.com/office/drawing/2014/main" val="1188779200"/>
@@ -3939,19 +3970,6 @@
                 </a:gridCol>
               </a:tblGrid>
               <a:tr h="370840">
-                <a:tc>
-                  <a:txBody>
-                    <a:bodyPr/>
-                    <a:lstStyle/>
-                    <a:p>
-                      <a:r>
-                        <a:rPr lang="de-DE" dirty="0"/>
-                        <a:t>Bias </a:t>
-                      </a:r>
-                    </a:p>
-                  </a:txBody>
-                  <a:tcPr/>
-                </a:tc>
                 <a:tc>
                   <a:txBody>
                     <a:bodyPr/>
@@ -4079,6 +4097,625 @@
           </a:graphicData>
         </a:graphic>
       </p:graphicFrame>
+      <p:pic>
+        <p:nvPicPr>
+          <p:cNvPr id="6" name="Grafik 5" descr="Ein Bild, das Objekt enthält.&#10;&#10;Automatisch generierte Beschreibung">
+            <a:extLst>
+              <a:ext uri="{FF2B5EF4-FFF2-40B4-BE49-F238E27FC236}">
+                <a16:creationId xmlns:a16="http://schemas.microsoft.com/office/drawing/2014/main" id="{4EFF3983-E772-44C0-98C3-39DC14408377}"/>
+              </a:ext>
+            </a:extLst>
+          </p:cNvPr>
+          <p:cNvPicPr>
+            <a:picLocks noChangeAspect="1"/>
+          </p:cNvPicPr>
+          <p:nvPr/>
+        </p:nvPicPr>
+        <p:blipFill>
+          <a:blip r:embed="rId2">
+            <a:extLst>
+              <a:ext uri="{28A0092B-C50C-407E-A947-70E740481C1C}">
+                <a14:useLocalDpi xmlns:a14="http://schemas.microsoft.com/office/drawing/2010/main" val="0"/>
+              </a:ext>
+            </a:extLst>
+          </a:blip>
+          <a:stretch>
+            <a:fillRect/>
+          </a:stretch>
+        </p:blipFill>
+        <p:spPr>
+          <a:xfrm>
+            <a:off x="5256469" y="4661935"/>
+            <a:ext cx="266700" cy="266700"/>
+          </a:xfrm>
+          <a:prstGeom prst="rect">
+            <a:avLst/>
+          </a:prstGeom>
+        </p:spPr>
+      </p:pic>
+      <p:pic>
+        <p:nvPicPr>
+          <p:cNvPr id="8" name="Grafik 7" descr="Ein Bild, das Objekt enthält.&#10;&#10;Automatisch generierte Beschreibung">
+            <a:extLst>
+              <a:ext uri="{FF2B5EF4-FFF2-40B4-BE49-F238E27FC236}">
+                <a16:creationId xmlns:a16="http://schemas.microsoft.com/office/drawing/2014/main" id="{634E85E4-1B91-4518-8548-7296751F772A}"/>
+              </a:ext>
+            </a:extLst>
+          </p:cNvPr>
+          <p:cNvPicPr>
+            <a:picLocks noChangeAspect="1"/>
+          </p:cNvPicPr>
+          <p:nvPr/>
+        </p:nvPicPr>
+        <p:blipFill>
+          <a:blip r:embed="rId3">
+            <a:extLst>
+              <a:ext uri="{28A0092B-C50C-407E-A947-70E740481C1C}">
+                <a14:useLocalDpi xmlns:a14="http://schemas.microsoft.com/office/drawing/2010/main" val="0"/>
+              </a:ext>
+            </a:extLst>
+          </a:blip>
+          <a:stretch>
+            <a:fillRect/>
+          </a:stretch>
+        </p:blipFill>
+        <p:spPr>
+          <a:xfrm>
+            <a:off x="8629357" y="4667244"/>
+            <a:ext cx="266700" cy="266700"/>
+          </a:xfrm>
+          <a:prstGeom prst="rect">
+            <a:avLst/>
+          </a:prstGeom>
+        </p:spPr>
+      </p:pic>
+      <p:pic>
+        <p:nvPicPr>
+          <p:cNvPr id="10" name="Grafik 9" descr="Ein Bild, das Objekt enthält.&#10;&#10;Automatisch generierte Beschreibung">
+            <a:extLst>
+              <a:ext uri="{FF2B5EF4-FFF2-40B4-BE49-F238E27FC236}">
+                <a16:creationId xmlns:a16="http://schemas.microsoft.com/office/drawing/2014/main" id="{375CCADF-13B7-416D-B2B4-FDE2A4CDD079}"/>
+              </a:ext>
+            </a:extLst>
+          </p:cNvPr>
+          <p:cNvPicPr>
+            <a:picLocks noChangeAspect="1"/>
+          </p:cNvPicPr>
+          <p:nvPr/>
+        </p:nvPicPr>
+        <p:blipFill>
+          <a:blip r:embed="rId4">
+            <a:extLst>
+              <a:ext uri="{28A0092B-C50C-407E-A947-70E740481C1C}">
+                <a14:useLocalDpi xmlns:a14="http://schemas.microsoft.com/office/drawing/2010/main" val="0"/>
+              </a:ext>
+            </a:extLst>
+          </a:blip>
+          <a:stretch>
+            <a:fillRect/>
+          </a:stretch>
+        </p:blipFill>
+        <p:spPr>
+          <a:xfrm>
+            <a:off x="7936749" y="4680427"/>
+            <a:ext cx="266700" cy="266700"/>
+          </a:xfrm>
+          <a:prstGeom prst="rect">
+            <a:avLst/>
+          </a:prstGeom>
+        </p:spPr>
+      </p:pic>
+      <p:pic>
+        <p:nvPicPr>
+          <p:cNvPr id="12" name="Grafik 11">
+            <a:extLst>
+              <a:ext uri="{FF2B5EF4-FFF2-40B4-BE49-F238E27FC236}">
+                <a16:creationId xmlns:a16="http://schemas.microsoft.com/office/drawing/2014/main" id="{0FC09AA6-FA4A-419F-9437-711AF28B9D88}"/>
+              </a:ext>
+            </a:extLst>
+          </p:cNvPr>
+          <p:cNvPicPr>
+            <a:picLocks noChangeAspect="1"/>
+          </p:cNvPicPr>
+          <p:nvPr/>
+        </p:nvPicPr>
+        <p:blipFill>
+          <a:blip r:embed="rId5">
+            <a:extLst>
+              <a:ext uri="{28A0092B-C50C-407E-A947-70E740481C1C}">
+                <a14:useLocalDpi xmlns:a14="http://schemas.microsoft.com/office/drawing/2010/main" val="0"/>
+              </a:ext>
+            </a:extLst>
+          </a:blip>
+          <a:stretch>
+            <a:fillRect/>
+          </a:stretch>
+        </p:blipFill>
+        <p:spPr>
+          <a:xfrm>
+            <a:off x="2536213" y="4680427"/>
+            <a:ext cx="266700" cy="266700"/>
+          </a:xfrm>
+          <a:prstGeom prst="rect">
+            <a:avLst/>
+          </a:prstGeom>
+        </p:spPr>
+      </p:pic>
+      <p:pic>
+        <p:nvPicPr>
+          <p:cNvPr id="14" name="Grafik 13" descr="Ein Bild, das Objekt enthält.&#10;&#10;Automatisch generierte Beschreibung">
+            <a:extLst>
+              <a:ext uri="{FF2B5EF4-FFF2-40B4-BE49-F238E27FC236}">
+                <a16:creationId xmlns:a16="http://schemas.microsoft.com/office/drawing/2014/main" id="{0C172C25-152B-4466-B83C-E11CB2C32F28}"/>
+              </a:ext>
+            </a:extLst>
+          </p:cNvPr>
+          <p:cNvPicPr>
+            <a:picLocks noChangeAspect="1"/>
+          </p:cNvPicPr>
+          <p:nvPr/>
+        </p:nvPicPr>
+        <p:blipFill>
+          <a:blip r:embed="rId6">
+            <a:extLst>
+              <a:ext uri="{28A0092B-C50C-407E-A947-70E740481C1C}">
+                <a14:useLocalDpi xmlns:a14="http://schemas.microsoft.com/office/drawing/2010/main" val="0"/>
+              </a:ext>
+            </a:extLst>
+          </a:blip>
+          <a:stretch>
+            <a:fillRect/>
+          </a:stretch>
+        </p:blipFill>
+        <p:spPr>
+          <a:xfrm>
+            <a:off x="3230479" y="4687016"/>
+            <a:ext cx="266700" cy="266700"/>
+          </a:xfrm>
+          <a:prstGeom prst="rect">
+            <a:avLst/>
+          </a:prstGeom>
+        </p:spPr>
+      </p:pic>
+      <p:pic>
+        <p:nvPicPr>
+          <p:cNvPr id="16" name="Grafik 15" descr="Ein Bild, das Objekt, Uhr enthält.&#10;&#10;Automatisch generierte Beschreibung">
+            <a:extLst>
+              <a:ext uri="{FF2B5EF4-FFF2-40B4-BE49-F238E27FC236}">
+                <a16:creationId xmlns:a16="http://schemas.microsoft.com/office/drawing/2014/main" id="{2157C7DC-F70A-43C6-979E-0D804220616D}"/>
+              </a:ext>
+            </a:extLst>
+          </p:cNvPr>
+          <p:cNvPicPr>
+            <a:picLocks noChangeAspect="1"/>
+          </p:cNvPicPr>
+          <p:nvPr/>
+        </p:nvPicPr>
+        <p:blipFill>
+          <a:blip r:embed="rId7">
+            <a:extLst>
+              <a:ext uri="{28A0092B-C50C-407E-A947-70E740481C1C}">
+                <a14:useLocalDpi xmlns:a14="http://schemas.microsoft.com/office/drawing/2010/main" val="0"/>
+              </a:ext>
+            </a:extLst>
+          </a:blip>
+          <a:stretch>
+            <a:fillRect/>
+          </a:stretch>
+        </p:blipFill>
+        <p:spPr>
+          <a:xfrm>
+            <a:off x="3898588" y="4700903"/>
+            <a:ext cx="266700" cy="266700"/>
+          </a:xfrm>
+          <a:prstGeom prst="rect">
+            <a:avLst/>
+          </a:prstGeom>
+        </p:spPr>
+      </p:pic>
+      <p:pic>
+        <p:nvPicPr>
+          <p:cNvPr id="18" name="Grafik 17" descr="Ein Bild, das Objekt enthält.&#10;&#10;Automatisch generierte Beschreibung">
+            <a:extLst>
+              <a:ext uri="{FF2B5EF4-FFF2-40B4-BE49-F238E27FC236}">
+                <a16:creationId xmlns:a16="http://schemas.microsoft.com/office/drawing/2014/main" id="{54489583-625C-4371-8209-84C0DD9CE07D}"/>
+              </a:ext>
+            </a:extLst>
+          </p:cNvPr>
+          <p:cNvPicPr>
+            <a:picLocks noChangeAspect="1"/>
+          </p:cNvPicPr>
+          <p:nvPr/>
+        </p:nvPicPr>
+        <p:blipFill>
+          <a:blip r:embed="rId8">
+            <a:extLst>
+              <a:ext uri="{28A0092B-C50C-407E-A947-70E740481C1C}">
+                <a14:useLocalDpi xmlns:a14="http://schemas.microsoft.com/office/drawing/2010/main" val="0"/>
+              </a:ext>
+            </a:extLst>
+          </a:blip>
+          <a:stretch>
+            <a:fillRect/>
+          </a:stretch>
+        </p:blipFill>
+        <p:spPr>
+          <a:xfrm>
+            <a:off x="4617896" y="4700903"/>
+            <a:ext cx="266700" cy="266700"/>
+          </a:xfrm>
+          <a:prstGeom prst="rect">
+            <a:avLst/>
+          </a:prstGeom>
+        </p:spPr>
+      </p:pic>
+      <p:pic>
+        <p:nvPicPr>
+          <p:cNvPr id="20" name="Grafik 19" descr="Ein Bild, das Objekt enthält.&#10;&#10;Automatisch generierte Beschreibung">
+            <a:extLst>
+              <a:ext uri="{FF2B5EF4-FFF2-40B4-BE49-F238E27FC236}">
+                <a16:creationId xmlns:a16="http://schemas.microsoft.com/office/drawing/2014/main" id="{19378345-9A98-4ACF-9A18-005DDC0E3578}"/>
+              </a:ext>
+            </a:extLst>
+          </p:cNvPr>
+          <p:cNvPicPr>
+            <a:picLocks noChangeAspect="1"/>
+          </p:cNvPicPr>
+          <p:nvPr/>
+        </p:nvPicPr>
+        <p:blipFill>
+          <a:blip r:embed="rId9">
+            <a:extLst>
+              <a:ext uri="{28A0092B-C50C-407E-A947-70E740481C1C}">
+                <a14:useLocalDpi xmlns:a14="http://schemas.microsoft.com/office/drawing/2010/main" val="0"/>
+              </a:ext>
+            </a:extLst>
+          </a:blip>
+          <a:stretch>
+            <a:fillRect/>
+          </a:stretch>
+        </p:blipFill>
+        <p:spPr>
+          <a:xfrm>
+            <a:off x="7229305" y="4673838"/>
+            <a:ext cx="266700" cy="266700"/>
+          </a:xfrm>
+          <a:prstGeom prst="rect">
+            <a:avLst/>
+          </a:prstGeom>
+        </p:spPr>
+      </p:pic>
+      <p:pic>
+        <p:nvPicPr>
+          <p:cNvPr id="22" name="Grafik 21" descr="Ein Bild, das Objekt enthält.&#10;&#10;Automatisch generierte Beschreibung">
+            <a:extLst>
+              <a:ext uri="{FF2B5EF4-FFF2-40B4-BE49-F238E27FC236}">
+                <a16:creationId xmlns:a16="http://schemas.microsoft.com/office/drawing/2014/main" id="{4C786366-A476-4325-A131-A3DF622815A8}"/>
+              </a:ext>
+            </a:extLst>
+          </p:cNvPr>
+          <p:cNvPicPr>
+            <a:picLocks noChangeAspect="1"/>
+          </p:cNvPicPr>
+          <p:nvPr/>
+        </p:nvPicPr>
+        <p:blipFill>
+          <a:blip r:embed="rId10">
+            <a:extLst>
+              <a:ext uri="{28A0092B-C50C-407E-A947-70E740481C1C}">
+                <a14:useLocalDpi xmlns:a14="http://schemas.microsoft.com/office/drawing/2010/main" val="0"/>
+              </a:ext>
+            </a:extLst>
+          </a:blip>
+          <a:stretch>
+            <a:fillRect/>
+          </a:stretch>
+        </p:blipFill>
+        <p:spPr>
+          <a:xfrm>
+            <a:off x="9231630" y="4680427"/>
+            <a:ext cx="266700" cy="266700"/>
+          </a:xfrm>
+          <a:prstGeom prst="rect">
+            <a:avLst/>
+          </a:prstGeom>
+        </p:spPr>
+      </p:pic>
+      <p:pic>
+        <p:nvPicPr>
+          <p:cNvPr id="24" name="Grafik 23" descr="Ein Bild, das Objekt enthält.&#10;&#10;Automatisch generierte Beschreibung">
+            <a:extLst>
+              <a:ext uri="{FF2B5EF4-FFF2-40B4-BE49-F238E27FC236}">
+                <a16:creationId xmlns:a16="http://schemas.microsoft.com/office/drawing/2014/main" id="{1E8F2347-9B8D-4D6B-AD36-B0BE745D78F2}"/>
+              </a:ext>
+            </a:extLst>
+          </p:cNvPr>
+          <p:cNvPicPr>
+            <a:picLocks noChangeAspect="1"/>
+          </p:cNvPicPr>
+          <p:nvPr/>
+        </p:nvPicPr>
+        <p:blipFill>
+          <a:blip r:embed="rId11">
+            <a:extLst>
+              <a:ext uri="{28A0092B-C50C-407E-A947-70E740481C1C}">
+                <a14:useLocalDpi xmlns:a14="http://schemas.microsoft.com/office/drawing/2010/main" val="0"/>
+              </a:ext>
+            </a:extLst>
+          </a:blip>
+          <a:stretch>
+            <a:fillRect/>
+          </a:stretch>
+        </p:blipFill>
+        <p:spPr>
+          <a:xfrm>
+            <a:off x="5950735" y="4673838"/>
+            <a:ext cx="279878" cy="279878"/>
+          </a:xfrm>
+          <a:prstGeom prst="rect">
+            <a:avLst/>
+          </a:prstGeom>
+        </p:spPr>
+      </p:pic>
+      <p:pic>
+        <p:nvPicPr>
+          <p:cNvPr id="26" name="Grafik 25" descr="Ein Bild, das Objekt, Uhr enthält.&#10;&#10;Automatisch generierte Beschreibung">
+            <a:extLst>
+              <a:ext uri="{FF2B5EF4-FFF2-40B4-BE49-F238E27FC236}">
+                <a16:creationId xmlns:a16="http://schemas.microsoft.com/office/drawing/2014/main" id="{17F20461-6163-41A7-8CAF-5A99AD77A24B}"/>
+              </a:ext>
+            </a:extLst>
+          </p:cNvPr>
+          <p:cNvPicPr>
+            <a:picLocks noChangeAspect="1"/>
+          </p:cNvPicPr>
+          <p:nvPr/>
+        </p:nvPicPr>
+        <p:blipFill>
+          <a:blip r:embed="rId12">
+            <a:extLst>
+              <a:ext uri="{28A0092B-C50C-407E-A947-70E740481C1C}">
+                <a14:useLocalDpi xmlns:a14="http://schemas.microsoft.com/office/drawing/2010/main" val="0"/>
+              </a:ext>
+            </a:extLst>
+          </a:blip>
+          <a:stretch>
+            <a:fillRect/>
+          </a:stretch>
+        </p:blipFill>
+        <p:spPr>
+          <a:xfrm flipH="1">
+            <a:off x="6623626" y="4700267"/>
+            <a:ext cx="266701" cy="266701"/>
+          </a:xfrm>
+          <a:prstGeom prst="rect">
+            <a:avLst/>
+          </a:prstGeom>
+        </p:spPr>
+      </p:pic>
+      <p:graphicFrame>
+        <p:nvGraphicFramePr>
+          <p:cNvPr id="60" name="Tabelle 59">
+            <a:extLst>
+              <a:ext uri="{FF2B5EF4-FFF2-40B4-BE49-F238E27FC236}">
+                <a16:creationId xmlns:a16="http://schemas.microsoft.com/office/drawing/2014/main" id="{70142A34-3414-4BC9-AA8C-5854C1EF3D67}"/>
+              </a:ext>
+            </a:extLst>
+          </p:cNvPr>
+          <p:cNvGraphicFramePr>
+            <a:graphicFrameLocks noGrp="1"/>
+          </p:cNvGraphicFramePr>
+          <p:nvPr>
+            <p:extLst>
+              <p:ext uri="{D42A27DB-BD31-4B8C-83A1-F6EECF244321}">
+                <p14:modId xmlns:p14="http://schemas.microsoft.com/office/powerpoint/2010/main" val="3140288552"/>
+              </p:ext>
+            </p:extLst>
+          </p:nvPr>
+        </p:nvGraphicFramePr>
+        <p:xfrm>
+          <a:off x="2290089" y="3036569"/>
+          <a:ext cx="8689971" cy="370840"/>
+        </p:xfrm>
+        <a:graphic>
+          <a:graphicData uri="http://schemas.openxmlformats.org/drawingml/2006/table">
+            <a:tbl>
+              <a:tblPr firstRow="1" bandRow="1">
+                <a:tableStyleId>{5C22544A-7EE6-4342-B048-85BDC9FD1C3A}</a:tableStyleId>
+              </a:tblPr>
+              <a:tblGrid>
+                <a:gridCol w="902571">
+                  <a:extLst>
+                    <a:ext uri="{9D8B030D-6E8A-4147-A177-3AD203B41FA5}">
+                      <a16:colId xmlns:a16="http://schemas.microsoft.com/office/drawing/2014/main" val="1435035498"/>
+                    </a:ext>
+                  </a:extLst>
+                </a:gridCol>
+                <a:gridCol w="1105020">
+                  <a:extLst>
+                    <a:ext uri="{9D8B030D-6E8A-4147-A177-3AD203B41FA5}">
+                      <a16:colId xmlns:a16="http://schemas.microsoft.com/office/drawing/2014/main" val="2295324799"/>
+                    </a:ext>
+                  </a:extLst>
+                </a:gridCol>
+                <a:gridCol w="1036320">
+                  <a:extLst>
+                    <a:ext uri="{9D8B030D-6E8A-4147-A177-3AD203B41FA5}">
+                      <a16:colId xmlns:a16="http://schemas.microsoft.com/office/drawing/2014/main" val="1548406343"/>
+                    </a:ext>
+                  </a:extLst>
+                </a:gridCol>
+                <a:gridCol w="914400">
+                  <a:extLst>
+                    <a:ext uri="{9D8B030D-6E8A-4147-A177-3AD203B41FA5}">
+                      <a16:colId xmlns:a16="http://schemas.microsoft.com/office/drawing/2014/main" val="39898734"/>
+                    </a:ext>
+                  </a:extLst>
+                </a:gridCol>
+                <a:gridCol w="1255672">
+                  <a:extLst>
+                    <a:ext uri="{9D8B030D-6E8A-4147-A177-3AD203B41FA5}">
+                      <a16:colId xmlns:a16="http://schemas.microsoft.com/office/drawing/2014/main" val="4027831602"/>
+                    </a:ext>
+                  </a:extLst>
+                </a:gridCol>
+                <a:gridCol w="868997">
+                  <a:extLst>
+                    <a:ext uri="{9D8B030D-6E8A-4147-A177-3AD203B41FA5}">
+                      <a16:colId xmlns:a16="http://schemas.microsoft.com/office/drawing/2014/main" val="3188895454"/>
+                    </a:ext>
+                  </a:extLst>
+                </a:gridCol>
+                <a:gridCol w="868997">
+                  <a:extLst>
+                    <a:ext uri="{9D8B030D-6E8A-4147-A177-3AD203B41FA5}">
+                      <a16:colId xmlns:a16="http://schemas.microsoft.com/office/drawing/2014/main" val="1185181428"/>
+                    </a:ext>
+                  </a:extLst>
+                </a:gridCol>
+                <a:gridCol w="868997">
+                  <a:extLst>
+                    <a:ext uri="{9D8B030D-6E8A-4147-A177-3AD203B41FA5}">
+                      <a16:colId xmlns:a16="http://schemas.microsoft.com/office/drawing/2014/main" val="331618743"/>
+                    </a:ext>
+                  </a:extLst>
+                </a:gridCol>
+                <a:gridCol w="868997">
+                  <a:extLst>
+                    <a:ext uri="{9D8B030D-6E8A-4147-A177-3AD203B41FA5}">
+                      <a16:colId xmlns:a16="http://schemas.microsoft.com/office/drawing/2014/main" val="85538177"/>
+                    </a:ext>
+                  </a:extLst>
+                </a:gridCol>
+              </a:tblGrid>
+              <a:tr h="370840">
+                <a:tc>
+                  <a:txBody>
+                    <a:bodyPr/>
+                    <a:lstStyle/>
+                    <a:p>
+                      <a:r>
+                        <a:rPr lang="de-DE" dirty="0"/>
+                        <a:t>G1</a:t>
+                      </a:r>
+                    </a:p>
+                  </a:txBody>
+                  <a:tcPr/>
+                </a:tc>
+                <a:tc>
+                  <a:txBody>
+                    <a:bodyPr/>
+                    <a:lstStyle/>
+                    <a:p>
+                      <a:r>
+                        <a:rPr lang="de-DE" dirty="0"/>
+                        <a:t>G2</a:t>
+                      </a:r>
+                    </a:p>
+                  </a:txBody>
+                  <a:tcPr/>
+                </a:tc>
+                <a:tc>
+                  <a:txBody>
+                    <a:bodyPr/>
+                    <a:lstStyle/>
+                    <a:p>
+                      <a:r>
+                        <a:rPr lang="de-DE" dirty="0"/>
+                        <a:t>G3</a:t>
+                      </a:r>
+                    </a:p>
+                  </a:txBody>
+                  <a:tcPr/>
+                </a:tc>
+                <a:tc>
+                  <a:txBody>
+                    <a:bodyPr/>
+                    <a:lstStyle/>
+                    <a:p>
+                      <a:r>
+                        <a:rPr lang="de-DE" dirty="0"/>
+                        <a:t>G4</a:t>
+                      </a:r>
+                    </a:p>
+                  </a:txBody>
+                  <a:tcPr/>
+                </a:tc>
+                <a:tc>
+                  <a:txBody>
+                    <a:bodyPr/>
+                    <a:lstStyle/>
+                    <a:p>
+                      <a:r>
+                        <a:rPr lang="de-DE" dirty="0"/>
+                        <a:t>………….</a:t>
+                      </a:r>
+                    </a:p>
+                  </a:txBody>
+                  <a:tcPr/>
+                </a:tc>
+                <a:tc>
+                  <a:txBody>
+                    <a:bodyPr/>
+                    <a:lstStyle/>
+                    <a:p>
+                      <a:r>
+                        <a:rPr lang="de-DE" dirty="0"/>
+                        <a:t>G7</a:t>
+                      </a:r>
+                    </a:p>
+                  </a:txBody>
+                  <a:tcPr/>
+                </a:tc>
+                <a:tc>
+                  <a:txBody>
+                    <a:bodyPr/>
+                    <a:lstStyle/>
+                    <a:p>
+                      <a:r>
+                        <a:rPr lang="de-DE" dirty="0"/>
+                        <a:t>G8</a:t>
+                      </a:r>
+                    </a:p>
+                  </a:txBody>
+                  <a:tcPr/>
+                </a:tc>
+                <a:tc>
+                  <a:txBody>
+                    <a:bodyPr/>
+                    <a:lstStyle/>
+                    <a:p>
+                      <a:r>
+                        <a:rPr lang="de-DE" dirty="0"/>
+                        <a:t>G9</a:t>
+                      </a:r>
+                    </a:p>
+                  </a:txBody>
+                  <a:tcPr/>
+                </a:tc>
+                <a:tc>
+                  <a:txBody>
+                    <a:bodyPr/>
+                    <a:lstStyle/>
+                    <a:p>
+                      <a:r>
+                        <a:rPr lang="de-DE" dirty="0"/>
+                        <a:t>G10</a:t>
+                      </a:r>
+                    </a:p>
+                  </a:txBody>
+                  <a:tcPr/>
+                </a:tc>
+                <a:extLst>
+                  <a:ext uri="{0D108BD9-81ED-4DB2-BD59-A6C34878D82A}">
+                    <a16:rowId xmlns:a16="http://schemas.microsoft.com/office/drawing/2014/main" val="321277434"/>
+                  </a:ext>
+                </a:extLst>
+              </a:tr>
+            </a:tbl>
+          </a:graphicData>
+        </a:graphic>
+      </p:graphicFrame>
     </p:spTree>
     <p:extLst>
       <p:ext uri="{BB962C8B-B14F-4D97-AF65-F5344CB8AC3E}">
@@ -4134,7 +4771,10 @@
               <a:rPr lang="de-DE" dirty="0" err="1"/>
               <a:t>Fitnessfuktion</a:t>
             </a:r>
-            <a:endParaRPr lang="de-DE" dirty="0"/>
+            <a:r>
+              <a:rPr lang="de-DE" dirty="0"/>
+              <a:t> und Selektion</a:t>
+            </a:r>
           </a:p>
         </p:txBody>
       </p:sp>
@@ -4173,12 +4813,64 @@
             </a:r>
             <a:r>
               <a:rPr lang="de-DE" dirty="0"/>
-              <a:t> wird bewertet und mit einem Score </a:t>
+              <a:t> (</a:t>
             </a:r>
             <a:r>
               <a:rPr lang="de-DE" dirty="0" err="1"/>
-              <a:t>be</a:t>
-            </a:r>
+              <a:t>Chromosome</a:t>
+            </a:r>
+            <a:r>
+              <a:rPr lang="de-DE" dirty="0"/>
+              <a:t>) wird mit einem Score bewertet</a:t>
+            </a:r>
+          </a:p>
+          <a:p>
+            <a:r>
+              <a:rPr lang="de-DE" dirty="0"/>
+              <a:t>Die Score ist in unserem Fall die Zahl der richtig erkannten Muster </a:t>
+            </a:r>
+          </a:p>
+          <a:p>
+            <a:r>
+              <a:rPr lang="de-DE" dirty="0"/>
+              <a:t>Es werden zwei beste Lösungen (Eltern) für die Erzeugung neuer Population selektiert, die den kleinsten Score haben. </a:t>
+            </a:r>
+          </a:p>
+          <a:p>
+            <a:r>
+              <a:rPr lang="de-DE" dirty="0"/>
+              <a:t>Eltern bleiben solange existieren, bis eine besser Lösung gefunden wird</a:t>
+            </a:r>
+          </a:p>
+          <a:p>
+            <a:r>
+              <a:rPr lang="de-DE" dirty="0" err="1"/>
+              <a:t>Elitistische</a:t>
+            </a:r>
+            <a:r>
+              <a:rPr lang="de-DE" dirty="0"/>
+              <a:t> Variante</a:t>
+            </a:r>
+          </a:p>
+          <a:p>
+            <a:r>
+              <a:rPr lang="de-DE" dirty="0"/>
+              <a:t>Populationsgröße bleibt konstant </a:t>
+            </a:r>
+          </a:p>
+          <a:p>
+            <a:endParaRPr lang="de-DE" dirty="0"/>
+          </a:p>
+          <a:p>
+            <a:endParaRPr lang="de-DE" dirty="0"/>
+          </a:p>
+          <a:p>
+            <a:endParaRPr lang="de-DE" dirty="0"/>
+          </a:p>
+          <a:p>
+            <a:endParaRPr lang="de-DE" dirty="0"/>
+          </a:p>
+          <a:p>
             <a:endParaRPr lang="de-DE" dirty="0"/>
           </a:p>
         </p:txBody>
@@ -4187,6 +4879,1722 @@
     <p:extLst>
       <p:ext uri="{BB962C8B-B14F-4D97-AF65-F5344CB8AC3E}">
         <p14:creationId xmlns:p14="http://schemas.microsoft.com/office/powerpoint/2010/main" val="1873718297"/>
+      </p:ext>
+    </p:extLst>
+  </p:cSld>
+  <p:clrMapOvr>
+    <a:masterClrMapping/>
+  </p:clrMapOvr>
+</p:sld>
+</file>
+
+<file path=ppt/slides/slide6.xml><?xml version="1.0" encoding="utf-8"?>
+<p:sld xmlns:a="http://schemas.openxmlformats.org/drawingml/2006/main" xmlns:r="http://schemas.openxmlformats.org/officeDocument/2006/relationships" xmlns:p="http://schemas.openxmlformats.org/presentationml/2006/main">
+  <p:cSld>
+    <p:spTree>
+      <p:nvGrpSpPr>
+        <p:cNvPr id="1" name=""/>
+        <p:cNvGrpSpPr/>
+        <p:nvPr/>
+      </p:nvGrpSpPr>
+      <p:grpSpPr>
+        <a:xfrm>
+          <a:off x="0" y="0"/>
+          <a:ext cx="0" cy="0"/>
+          <a:chOff x="0" y="0"/>
+          <a:chExt cx="0" cy="0"/>
+        </a:xfrm>
+      </p:grpSpPr>
+      <p:sp>
+        <p:nvSpPr>
+          <p:cNvPr id="2" name="Titel 1">
+            <a:extLst>
+              <a:ext uri="{FF2B5EF4-FFF2-40B4-BE49-F238E27FC236}">
+                <a16:creationId xmlns:a16="http://schemas.microsoft.com/office/drawing/2014/main" id="{686ED771-BE1E-4AD2-B103-A058188CE04F}"/>
+              </a:ext>
+            </a:extLst>
+          </p:cNvPr>
+          <p:cNvSpPr>
+            <a:spLocks noGrp="1"/>
+          </p:cNvSpPr>
+          <p:nvPr>
+            <p:ph type="title"/>
+          </p:nvPr>
+        </p:nvSpPr>
+        <p:spPr>
+          <a:xfrm>
+            <a:off x="838200" y="365125"/>
+            <a:ext cx="10515600" cy="864235"/>
+          </a:xfrm>
+        </p:spPr>
+        <p:txBody>
+          <a:bodyPr/>
+          <a:lstStyle/>
+          <a:p>
+            <a:r>
+              <a:rPr lang="de-DE" dirty="0"/>
+              <a:t>Rekombination</a:t>
+            </a:r>
+          </a:p>
+        </p:txBody>
+      </p:sp>
+      <p:sp>
+        <p:nvSpPr>
+          <p:cNvPr id="3" name="Inhaltsplatzhalter 2">
+            <a:extLst>
+              <a:ext uri="{FF2B5EF4-FFF2-40B4-BE49-F238E27FC236}">
+                <a16:creationId xmlns:a16="http://schemas.microsoft.com/office/drawing/2014/main" id="{A612E8E1-9602-41E6-B170-69FF6499E906}"/>
+              </a:ext>
+            </a:extLst>
+          </p:cNvPr>
+          <p:cNvSpPr>
+            <a:spLocks noGrp="1"/>
+          </p:cNvSpPr>
+          <p:nvPr>
+            <p:ph idx="1"/>
+          </p:nvPr>
+        </p:nvSpPr>
+        <p:spPr>
+          <a:xfrm>
+            <a:off x="838200" y="1330960"/>
+            <a:ext cx="10515600" cy="4846003"/>
+          </a:xfrm>
+        </p:spPr>
+        <p:txBody>
+          <a:bodyPr/>
+          <a:lstStyle/>
+          <a:p>
+            <a:pPr marL="0" indent="0">
+              <a:buNone/>
+            </a:pPr>
+            <a:r>
+              <a:rPr lang="de-DE" dirty="0"/>
+              <a:t> Neue Population wird durch Rekombination erzeugt. Es passiert sowohl für </a:t>
+            </a:r>
+            <a:r>
+              <a:rPr lang="de-DE" dirty="0" err="1"/>
+              <a:t>Hiddenschicht</a:t>
+            </a:r>
+            <a:r>
+              <a:rPr lang="de-DE" dirty="0"/>
+              <a:t> als auch für </a:t>
+            </a:r>
+            <a:r>
+              <a:rPr lang="de-DE" dirty="0" err="1"/>
+              <a:t>Outputschicht</a:t>
+            </a:r>
+            <a:r>
+              <a:rPr lang="de-DE" dirty="0"/>
+              <a:t>. </a:t>
+            </a:r>
+          </a:p>
+          <a:p>
+            <a:pPr marL="0" indent="0">
+              <a:buNone/>
+            </a:pPr>
+            <a:endParaRPr lang="de-DE" dirty="0"/>
+          </a:p>
+          <a:p>
+            <a:pPr marL="0" indent="0">
+              <a:buNone/>
+            </a:pPr>
+            <a:r>
+              <a:rPr lang="de-DE" sz="2000" dirty="0"/>
+              <a:t>Bevor </a:t>
+            </a:r>
+          </a:p>
+          <a:p>
+            <a:pPr marL="0" indent="0">
+              <a:buNone/>
+            </a:pPr>
+            <a:r>
+              <a:rPr lang="de-DE" sz="2000" dirty="0"/>
+              <a:t>Rekombination</a:t>
+            </a:r>
+          </a:p>
+          <a:p>
+            <a:pPr marL="0" indent="0">
+              <a:buNone/>
+            </a:pPr>
+            <a:endParaRPr lang="de-DE" sz="2400" dirty="0"/>
+          </a:p>
+          <a:p>
+            <a:pPr marL="0" indent="0">
+              <a:buNone/>
+            </a:pPr>
+            <a:r>
+              <a:rPr lang="de-DE" sz="2400" dirty="0"/>
+              <a:t>Nach Rekombination</a:t>
+            </a:r>
+          </a:p>
+          <a:p>
+            <a:pPr marL="0" indent="0">
+              <a:buNone/>
+            </a:pPr>
+            <a:r>
+              <a:rPr lang="de-DE" dirty="0"/>
+              <a:t>		</a:t>
+            </a:r>
+          </a:p>
+          <a:p>
+            <a:pPr marL="0" indent="0">
+              <a:buNone/>
+            </a:pPr>
+            <a:endParaRPr lang="de-DE" dirty="0"/>
+          </a:p>
+          <a:p>
+            <a:pPr marL="0" indent="0">
+              <a:buNone/>
+            </a:pPr>
+            <a:endParaRPr lang="de-DE" dirty="0"/>
+          </a:p>
+          <a:p>
+            <a:pPr marL="0" indent="0">
+              <a:buNone/>
+            </a:pPr>
+            <a:endParaRPr lang="de-DE" dirty="0"/>
+          </a:p>
+          <a:p>
+            <a:pPr marL="0" indent="0">
+              <a:buNone/>
+            </a:pPr>
+            <a:endParaRPr lang="de-DE" dirty="0"/>
+          </a:p>
+          <a:p>
+            <a:pPr marL="0" indent="0">
+              <a:buNone/>
+            </a:pPr>
+            <a:endParaRPr lang="de-DE" dirty="0"/>
+          </a:p>
+        </p:txBody>
+      </p:sp>
+      <p:graphicFrame>
+        <p:nvGraphicFramePr>
+          <p:cNvPr id="6" name="Tabelle 5">
+            <a:extLst>
+              <a:ext uri="{FF2B5EF4-FFF2-40B4-BE49-F238E27FC236}">
+                <a16:creationId xmlns:a16="http://schemas.microsoft.com/office/drawing/2014/main" id="{0FFE8617-169D-44B3-8867-2E821D143994}"/>
+              </a:ext>
+            </a:extLst>
+          </p:cNvPr>
+          <p:cNvGraphicFramePr>
+            <a:graphicFrameLocks noGrp="1"/>
+          </p:cNvGraphicFramePr>
+          <p:nvPr>
+            <p:extLst>
+              <p:ext uri="{D42A27DB-BD31-4B8C-83A1-F6EECF244321}">
+                <p14:modId xmlns:p14="http://schemas.microsoft.com/office/powerpoint/2010/main" val="1826757373"/>
+              </p:ext>
+            </p:extLst>
+          </p:nvPr>
+        </p:nvGraphicFramePr>
+        <p:xfrm>
+          <a:off x="2611120" y="2792306"/>
+          <a:ext cx="8128000" cy="370840"/>
+        </p:xfrm>
+        <a:graphic>
+          <a:graphicData uri="http://schemas.openxmlformats.org/drawingml/2006/table">
+            <a:tbl>
+              <a:tblPr firstRow="1" bandRow="1">
+                <a:tableStyleId>{5C22544A-7EE6-4342-B048-85BDC9FD1C3A}</a:tableStyleId>
+              </a:tblPr>
+              <a:tblGrid>
+                <a:gridCol w="812800">
+                  <a:extLst>
+                    <a:ext uri="{9D8B030D-6E8A-4147-A177-3AD203B41FA5}">
+                      <a16:colId xmlns:a16="http://schemas.microsoft.com/office/drawing/2014/main" val="2564355384"/>
+                    </a:ext>
+                  </a:extLst>
+                </a:gridCol>
+                <a:gridCol w="812800">
+                  <a:extLst>
+                    <a:ext uri="{9D8B030D-6E8A-4147-A177-3AD203B41FA5}">
+                      <a16:colId xmlns:a16="http://schemas.microsoft.com/office/drawing/2014/main" val="2773964149"/>
+                    </a:ext>
+                  </a:extLst>
+                </a:gridCol>
+                <a:gridCol w="812800">
+                  <a:extLst>
+                    <a:ext uri="{9D8B030D-6E8A-4147-A177-3AD203B41FA5}">
+                      <a16:colId xmlns:a16="http://schemas.microsoft.com/office/drawing/2014/main" val="3681290492"/>
+                    </a:ext>
+                  </a:extLst>
+                </a:gridCol>
+                <a:gridCol w="812800">
+                  <a:extLst>
+                    <a:ext uri="{9D8B030D-6E8A-4147-A177-3AD203B41FA5}">
+                      <a16:colId xmlns:a16="http://schemas.microsoft.com/office/drawing/2014/main" val="3250263995"/>
+                    </a:ext>
+                  </a:extLst>
+                </a:gridCol>
+                <a:gridCol w="812800">
+                  <a:extLst>
+                    <a:ext uri="{9D8B030D-6E8A-4147-A177-3AD203B41FA5}">
+                      <a16:colId xmlns:a16="http://schemas.microsoft.com/office/drawing/2014/main" val="49928393"/>
+                    </a:ext>
+                  </a:extLst>
+                </a:gridCol>
+                <a:gridCol w="812800">
+                  <a:extLst>
+                    <a:ext uri="{9D8B030D-6E8A-4147-A177-3AD203B41FA5}">
+                      <a16:colId xmlns:a16="http://schemas.microsoft.com/office/drawing/2014/main" val="1237775082"/>
+                    </a:ext>
+                  </a:extLst>
+                </a:gridCol>
+                <a:gridCol w="812800">
+                  <a:extLst>
+                    <a:ext uri="{9D8B030D-6E8A-4147-A177-3AD203B41FA5}">
+                      <a16:colId xmlns:a16="http://schemas.microsoft.com/office/drawing/2014/main" val="2343491401"/>
+                    </a:ext>
+                  </a:extLst>
+                </a:gridCol>
+                <a:gridCol w="812800">
+                  <a:extLst>
+                    <a:ext uri="{9D8B030D-6E8A-4147-A177-3AD203B41FA5}">
+                      <a16:colId xmlns:a16="http://schemas.microsoft.com/office/drawing/2014/main" val="1458348642"/>
+                    </a:ext>
+                  </a:extLst>
+                </a:gridCol>
+                <a:gridCol w="812800">
+                  <a:extLst>
+                    <a:ext uri="{9D8B030D-6E8A-4147-A177-3AD203B41FA5}">
+                      <a16:colId xmlns:a16="http://schemas.microsoft.com/office/drawing/2014/main" val="4029127370"/>
+                    </a:ext>
+                  </a:extLst>
+                </a:gridCol>
+                <a:gridCol w="812800">
+                  <a:extLst>
+                    <a:ext uri="{9D8B030D-6E8A-4147-A177-3AD203B41FA5}">
+                      <a16:colId xmlns:a16="http://schemas.microsoft.com/office/drawing/2014/main" val="3827287262"/>
+                    </a:ext>
+                  </a:extLst>
+                </a:gridCol>
+              </a:tblGrid>
+              <a:tr h="370840">
+                <a:tc>
+                  <a:txBody>
+                    <a:bodyPr/>
+                    <a:lstStyle/>
+                    <a:p>
+                      <a:r>
+                        <a:rPr lang="de-DE" dirty="0"/>
+                        <a:t>G10</a:t>
+                      </a:r>
+                    </a:p>
+                  </a:txBody>
+                  <a:tcPr/>
+                </a:tc>
+                <a:tc>
+                  <a:txBody>
+                    <a:bodyPr/>
+                    <a:lstStyle/>
+                    <a:p>
+                      <a:r>
+                        <a:rPr lang="de-DE" dirty="0"/>
+                        <a:t>G11</a:t>
+                      </a:r>
+                    </a:p>
+                  </a:txBody>
+                  <a:tcPr/>
+                </a:tc>
+                <a:tc>
+                  <a:txBody>
+                    <a:bodyPr/>
+                    <a:lstStyle/>
+                    <a:p>
+                      <a:r>
+                        <a:rPr lang="de-DE" dirty="0"/>
+                        <a:t>G12</a:t>
+                      </a:r>
+                    </a:p>
+                  </a:txBody>
+                  <a:tcPr/>
+                </a:tc>
+                <a:tc>
+                  <a:txBody>
+                    <a:bodyPr/>
+                    <a:lstStyle/>
+                    <a:p>
+                      <a:r>
+                        <a:rPr lang="de-DE" dirty="0"/>
+                        <a:t>G13</a:t>
+                      </a:r>
+                    </a:p>
+                  </a:txBody>
+                  <a:tcPr/>
+                </a:tc>
+                <a:tc>
+                  <a:txBody>
+                    <a:bodyPr/>
+                    <a:lstStyle/>
+                    <a:p>
+                      <a:r>
+                        <a:rPr lang="de-DE" dirty="0"/>
+                        <a:t>G14</a:t>
+                      </a:r>
+                    </a:p>
+                  </a:txBody>
+                  <a:tcPr/>
+                </a:tc>
+                <a:tc>
+                  <a:txBody>
+                    <a:bodyPr/>
+                    <a:lstStyle/>
+                    <a:p>
+                      <a:r>
+                        <a:rPr lang="de-DE" dirty="0"/>
+                        <a:t>G15</a:t>
+                      </a:r>
+                    </a:p>
+                  </a:txBody>
+                  <a:tcPr/>
+                </a:tc>
+                <a:tc>
+                  <a:txBody>
+                    <a:bodyPr/>
+                    <a:lstStyle/>
+                    <a:p>
+                      <a:r>
+                        <a:rPr lang="de-DE" dirty="0"/>
+                        <a:t>G16</a:t>
+                      </a:r>
+                    </a:p>
+                  </a:txBody>
+                  <a:tcPr/>
+                </a:tc>
+                <a:tc>
+                  <a:txBody>
+                    <a:bodyPr/>
+                    <a:lstStyle/>
+                    <a:p>
+                      <a:r>
+                        <a:rPr lang="de-DE" dirty="0"/>
+                        <a:t>G17</a:t>
+                      </a:r>
+                    </a:p>
+                  </a:txBody>
+                  <a:tcPr/>
+                </a:tc>
+                <a:tc>
+                  <a:txBody>
+                    <a:bodyPr/>
+                    <a:lstStyle/>
+                    <a:p>
+                      <a:r>
+                        <a:rPr lang="de-DE" dirty="0"/>
+                        <a:t>G18</a:t>
+                      </a:r>
+                    </a:p>
+                  </a:txBody>
+                  <a:tcPr/>
+                </a:tc>
+                <a:tc>
+                  <a:txBody>
+                    <a:bodyPr/>
+                    <a:lstStyle/>
+                    <a:p>
+                      <a:r>
+                        <a:rPr lang="de-DE" dirty="0"/>
+                        <a:t>G19</a:t>
+                      </a:r>
+                    </a:p>
+                  </a:txBody>
+                  <a:tcPr/>
+                </a:tc>
+                <a:extLst>
+                  <a:ext uri="{0D108BD9-81ED-4DB2-BD59-A6C34878D82A}">
+                    <a16:rowId xmlns:a16="http://schemas.microsoft.com/office/drawing/2014/main" val="3906595865"/>
+                  </a:ext>
+                </a:extLst>
+              </a:tr>
+            </a:tbl>
+          </a:graphicData>
+        </a:graphic>
+      </p:graphicFrame>
+      <p:graphicFrame>
+        <p:nvGraphicFramePr>
+          <p:cNvPr id="7" name="Tabelle 6">
+            <a:extLst>
+              <a:ext uri="{FF2B5EF4-FFF2-40B4-BE49-F238E27FC236}">
+                <a16:creationId xmlns:a16="http://schemas.microsoft.com/office/drawing/2014/main" id="{1A28A772-742C-40A3-879F-5B8E3937E22F}"/>
+              </a:ext>
+            </a:extLst>
+          </p:cNvPr>
+          <p:cNvGraphicFramePr>
+            <a:graphicFrameLocks noGrp="1"/>
+          </p:cNvGraphicFramePr>
+          <p:nvPr>
+            <p:extLst>
+              <p:ext uri="{D42A27DB-BD31-4B8C-83A1-F6EECF244321}">
+                <p14:modId xmlns:p14="http://schemas.microsoft.com/office/powerpoint/2010/main" val="2341573488"/>
+              </p:ext>
+            </p:extLst>
+          </p:nvPr>
+        </p:nvGraphicFramePr>
+        <p:xfrm>
+          <a:off x="2611120" y="3568541"/>
+          <a:ext cx="8128000" cy="370840"/>
+        </p:xfrm>
+        <a:graphic>
+          <a:graphicData uri="http://schemas.openxmlformats.org/drawingml/2006/table">
+            <a:tbl>
+              <a:tblPr firstRow="1" bandRow="1">
+                <a:tableStyleId>{5C22544A-7EE6-4342-B048-85BDC9FD1C3A}</a:tableStyleId>
+              </a:tblPr>
+              <a:tblGrid>
+                <a:gridCol w="812800">
+                  <a:extLst>
+                    <a:ext uri="{9D8B030D-6E8A-4147-A177-3AD203B41FA5}">
+                      <a16:colId xmlns:a16="http://schemas.microsoft.com/office/drawing/2014/main" val="2564355384"/>
+                    </a:ext>
+                  </a:extLst>
+                </a:gridCol>
+                <a:gridCol w="812800">
+                  <a:extLst>
+                    <a:ext uri="{9D8B030D-6E8A-4147-A177-3AD203B41FA5}">
+                      <a16:colId xmlns:a16="http://schemas.microsoft.com/office/drawing/2014/main" val="2773964149"/>
+                    </a:ext>
+                  </a:extLst>
+                </a:gridCol>
+                <a:gridCol w="812800">
+                  <a:extLst>
+                    <a:ext uri="{9D8B030D-6E8A-4147-A177-3AD203B41FA5}">
+                      <a16:colId xmlns:a16="http://schemas.microsoft.com/office/drawing/2014/main" val="3681290492"/>
+                    </a:ext>
+                  </a:extLst>
+                </a:gridCol>
+                <a:gridCol w="812800">
+                  <a:extLst>
+                    <a:ext uri="{9D8B030D-6E8A-4147-A177-3AD203B41FA5}">
+                      <a16:colId xmlns:a16="http://schemas.microsoft.com/office/drawing/2014/main" val="3250263995"/>
+                    </a:ext>
+                  </a:extLst>
+                </a:gridCol>
+                <a:gridCol w="812800">
+                  <a:extLst>
+                    <a:ext uri="{9D8B030D-6E8A-4147-A177-3AD203B41FA5}">
+                      <a16:colId xmlns:a16="http://schemas.microsoft.com/office/drawing/2014/main" val="49928393"/>
+                    </a:ext>
+                  </a:extLst>
+                </a:gridCol>
+                <a:gridCol w="812800">
+                  <a:extLst>
+                    <a:ext uri="{9D8B030D-6E8A-4147-A177-3AD203B41FA5}">
+                      <a16:colId xmlns:a16="http://schemas.microsoft.com/office/drawing/2014/main" val="1237775082"/>
+                    </a:ext>
+                  </a:extLst>
+                </a:gridCol>
+                <a:gridCol w="812800">
+                  <a:extLst>
+                    <a:ext uri="{9D8B030D-6E8A-4147-A177-3AD203B41FA5}">
+                      <a16:colId xmlns:a16="http://schemas.microsoft.com/office/drawing/2014/main" val="2343491401"/>
+                    </a:ext>
+                  </a:extLst>
+                </a:gridCol>
+                <a:gridCol w="812800">
+                  <a:extLst>
+                    <a:ext uri="{9D8B030D-6E8A-4147-A177-3AD203B41FA5}">
+                      <a16:colId xmlns:a16="http://schemas.microsoft.com/office/drawing/2014/main" val="1458348642"/>
+                    </a:ext>
+                  </a:extLst>
+                </a:gridCol>
+                <a:gridCol w="812800">
+                  <a:extLst>
+                    <a:ext uri="{9D8B030D-6E8A-4147-A177-3AD203B41FA5}">
+                      <a16:colId xmlns:a16="http://schemas.microsoft.com/office/drawing/2014/main" val="4029127370"/>
+                    </a:ext>
+                  </a:extLst>
+                </a:gridCol>
+                <a:gridCol w="812800">
+                  <a:extLst>
+                    <a:ext uri="{9D8B030D-6E8A-4147-A177-3AD203B41FA5}">
+                      <a16:colId xmlns:a16="http://schemas.microsoft.com/office/drawing/2014/main" val="3827287262"/>
+                    </a:ext>
+                  </a:extLst>
+                </a:gridCol>
+              </a:tblGrid>
+              <a:tr h="370840">
+                <a:tc>
+                  <a:txBody>
+                    <a:bodyPr/>
+                    <a:lstStyle/>
+                    <a:p>
+                      <a:r>
+                        <a:rPr lang="de-DE" dirty="0"/>
+                        <a:t>G20</a:t>
+                      </a:r>
+                    </a:p>
+                  </a:txBody>
+                  <a:tcPr/>
+                </a:tc>
+                <a:tc>
+                  <a:txBody>
+                    <a:bodyPr/>
+                    <a:lstStyle/>
+                    <a:p>
+                      <a:r>
+                        <a:rPr lang="de-DE" dirty="0"/>
+                        <a:t>G21</a:t>
+                      </a:r>
+                    </a:p>
+                  </a:txBody>
+                  <a:tcPr/>
+                </a:tc>
+                <a:tc>
+                  <a:txBody>
+                    <a:bodyPr/>
+                    <a:lstStyle/>
+                    <a:p>
+                      <a:r>
+                        <a:rPr lang="de-DE" dirty="0"/>
+                        <a:t>G22</a:t>
+                      </a:r>
+                    </a:p>
+                  </a:txBody>
+                  <a:tcPr/>
+                </a:tc>
+                <a:tc>
+                  <a:txBody>
+                    <a:bodyPr/>
+                    <a:lstStyle/>
+                    <a:p>
+                      <a:r>
+                        <a:rPr lang="de-DE" dirty="0"/>
+                        <a:t>G23</a:t>
+                      </a:r>
+                    </a:p>
+                  </a:txBody>
+                  <a:tcPr/>
+                </a:tc>
+                <a:tc>
+                  <a:txBody>
+                    <a:bodyPr/>
+                    <a:lstStyle/>
+                    <a:p>
+                      <a:r>
+                        <a:rPr lang="de-DE" dirty="0"/>
+                        <a:t>G24</a:t>
+                      </a:r>
+                    </a:p>
+                  </a:txBody>
+                  <a:tcPr/>
+                </a:tc>
+                <a:tc>
+                  <a:txBody>
+                    <a:bodyPr/>
+                    <a:lstStyle/>
+                    <a:p>
+                      <a:r>
+                        <a:rPr lang="de-DE" dirty="0"/>
+                        <a:t>G25</a:t>
+                      </a:r>
+                    </a:p>
+                  </a:txBody>
+                  <a:tcPr/>
+                </a:tc>
+                <a:tc>
+                  <a:txBody>
+                    <a:bodyPr/>
+                    <a:lstStyle/>
+                    <a:p>
+                      <a:r>
+                        <a:rPr lang="de-DE" dirty="0"/>
+                        <a:t>G26</a:t>
+                      </a:r>
+                    </a:p>
+                  </a:txBody>
+                  <a:tcPr/>
+                </a:tc>
+                <a:tc>
+                  <a:txBody>
+                    <a:bodyPr/>
+                    <a:lstStyle/>
+                    <a:p>
+                      <a:r>
+                        <a:rPr lang="de-DE" dirty="0"/>
+                        <a:t>G27</a:t>
+                      </a:r>
+                    </a:p>
+                  </a:txBody>
+                  <a:tcPr/>
+                </a:tc>
+                <a:tc>
+                  <a:txBody>
+                    <a:bodyPr/>
+                    <a:lstStyle/>
+                    <a:p>
+                      <a:r>
+                        <a:rPr lang="de-DE" dirty="0"/>
+                        <a:t>G28</a:t>
+                      </a:r>
+                    </a:p>
+                  </a:txBody>
+                  <a:tcPr/>
+                </a:tc>
+                <a:tc>
+                  <a:txBody>
+                    <a:bodyPr/>
+                    <a:lstStyle/>
+                    <a:p>
+                      <a:r>
+                        <a:rPr lang="de-DE" dirty="0"/>
+                        <a:t>G29</a:t>
+                      </a:r>
+                    </a:p>
+                  </a:txBody>
+                  <a:tcPr/>
+                </a:tc>
+                <a:extLst>
+                  <a:ext uri="{0D108BD9-81ED-4DB2-BD59-A6C34878D82A}">
+                    <a16:rowId xmlns:a16="http://schemas.microsoft.com/office/drawing/2014/main" val="3906595865"/>
+                  </a:ext>
+                </a:extLst>
+              </a:tr>
+            </a:tbl>
+          </a:graphicData>
+        </a:graphic>
+      </p:graphicFrame>
+      <p:graphicFrame>
+        <p:nvGraphicFramePr>
+          <p:cNvPr id="10" name="Tabelle 9">
+            <a:extLst>
+              <a:ext uri="{FF2B5EF4-FFF2-40B4-BE49-F238E27FC236}">
+                <a16:creationId xmlns:a16="http://schemas.microsoft.com/office/drawing/2014/main" id="{248ACF72-AE2E-4FA5-A668-8E022CDEA1B1}"/>
+              </a:ext>
+            </a:extLst>
+          </p:cNvPr>
+          <p:cNvGraphicFramePr>
+            <a:graphicFrameLocks noGrp="1"/>
+          </p:cNvGraphicFramePr>
+          <p:nvPr>
+            <p:extLst>
+              <p:ext uri="{D42A27DB-BD31-4B8C-83A1-F6EECF244321}">
+                <p14:modId xmlns:p14="http://schemas.microsoft.com/office/powerpoint/2010/main" val="3042503537"/>
+              </p:ext>
+            </p:extLst>
+          </p:nvPr>
+        </p:nvGraphicFramePr>
+        <p:xfrm>
+          <a:off x="2611120" y="5341620"/>
+          <a:ext cx="8128000" cy="370840"/>
+        </p:xfrm>
+        <a:graphic>
+          <a:graphicData uri="http://schemas.openxmlformats.org/drawingml/2006/table">
+            <a:tbl>
+              <a:tblPr firstRow="1" bandRow="1">
+                <a:tableStyleId>{5C22544A-7EE6-4342-B048-85BDC9FD1C3A}</a:tableStyleId>
+              </a:tblPr>
+              <a:tblGrid>
+                <a:gridCol w="812800">
+                  <a:extLst>
+                    <a:ext uri="{9D8B030D-6E8A-4147-A177-3AD203B41FA5}">
+                      <a16:colId xmlns:a16="http://schemas.microsoft.com/office/drawing/2014/main" val="3353087117"/>
+                    </a:ext>
+                  </a:extLst>
+                </a:gridCol>
+                <a:gridCol w="812800">
+                  <a:extLst>
+                    <a:ext uri="{9D8B030D-6E8A-4147-A177-3AD203B41FA5}">
+                      <a16:colId xmlns:a16="http://schemas.microsoft.com/office/drawing/2014/main" val="232065209"/>
+                    </a:ext>
+                  </a:extLst>
+                </a:gridCol>
+                <a:gridCol w="812800">
+                  <a:extLst>
+                    <a:ext uri="{9D8B030D-6E8A-4147-A177-3AD203B41FA5}">
+                      <a16:colId xmlns:a16="http://schemas.microsoft.com/office/drawing/2014/main" val="1157751156"/>
+                    </a:ext>
+                  </a:extLst>
+                </a:gridCol>
+                <a:gridCol w="812800">
+                  <a:extLst>
+                    <a:ext uri="{9D8B030D-6E8A-4147-A177-3AD203B41FA5}">
+                      <a16:colId xmlns:a16="http://schemas.microsoft.com/office/drawing/2014/main" val="3937204325"/>
+                    </a:ext>
+                  </a:extLst>
+                </a:gridCol>
+                <a:gridCol w="670560">
+                  <a:extLst>
+                    <a:ext uri="{9D8B030D-6E8A-4147-A177-3AD203B41FA5}">
+                      <a16:colId xmlns:a16="http://schemas.microsoft.com/office/drawing/2014/main" val="3799320926"/>
+                    </a:ext>
+                  </a:extLst>
+                </a:gridCol>
+                <a:gridCol w="955040">
+                  <a:extLst>
+                    <a:ext uri="{9D8B030D-6E8A-4147-A177-3AD203B41FA5}">
+                      <a16:colId xmlns:a16="http://schemas.microsoft.com/office/drawing/2014/main" val="1536781416"/>
+                    </a:ext>
+                  </a:extLst>
+                </a:gridCol>
+                <a:gridCol w="812800">
+                  <a:extLst>
+                    <a:ext uri="{9D8B030D-6E8A-4147-A177-3AD203B41FA5}">
+                      <a16:colId xmlns:a16="http://schemas.microsoft.com/office/drawing/2014/main" val="4256651352"/>
+                    </a:ext>
+                  </a:extLst>
+                </a:gridCol>
+                <a:gridCol w="812800">
+                  <a:extLst>
+                    <a:ext uri="{9D8B030D-6E8A-4147-A177-3AD203B41FA5}">
+                      <a16:colId xmlns:a16="http://schemas.microsoft.com/office/drawing/2014/main" val="3070803731"/>
+                    </a:ext>
+                  </a:extLst>
+                </a:gridCol>
+                <a:gridCol w="812800">
+                  <a:extLst>
+                    <a:ext uri="{9D8B030D-6E8A-4147-A177-3AD203B41FA5}">
+                      <a16:colId xmlns:a16="http://schemas.microsoft.com/office/drawing/2014/main" val="3127724483"/>
+                    </a:ext>
+                  </a:extLst>
+                </a:gridCol>
+                <a:gridCol w="812800">
+                  <a:extLst>
+                    <a:ext uri="{9D8B030D-6E8A-4147-A177-3AD203B41FA5}">
+                      <a16:colId xmlns:a16="http://schemas.microsoft.com/office/drawing/2014/main" val="1136306148"/>
+                    </a:ext>
+                  </a:extLst>
+                </a:gridCol>
+              </a:tblGrid>
+              <a:tr h="370840">
+                <a:tc>
+                  <a:txBody>
+                    <a:bodyPr/>
+                    <a:lstStyle/>
+                    <a:p>
+                      <a:r>
+                        <a:rPr lang="de-DE" dirty="0"/>
+                        <a:t>G10</a:t>
+                      </a:r>
+                    </a:p>
+                  </a:txBody>
+                  <a:tcPr/>
+                </a:tc>
+                <a:tc>
+                  <a:txBody>
+                    <a:bodyPr/>
+                    <a:lstStyle/>
+                    <a:p>
+                      <a:r>
+                        <a:rPr lang="de-DE" dirty="0"/>
+                        <a:t>G11</a:t>
+                      </a:r>
+                    </a:p>
+                  </a:txBody>
+                  <a:tcPr/>
+                </a:tc>
+                <a:tc>
+                  <a:txBody>
+                    <a:bodyPr/>
+                    <a:lstStyle/>
+                    <a:p>
+                      <a:r>
+                        <a:rPr lang="de-DE" dirty="0"/>
+                        <a:t>G12</a:t>
+                      </a:r>
+                    </a:p>
+                  </a:txBody>
+                  <a:tcPr/>
+                </a:tc>
+                <a:tc>
+                  <a:txBody>
+                    <a:bodyPr/>
+                    <a:lstStyle/>
+                    <a:p>
+                      <a:r>
+                        <a:rPr lang="de-DE" dirty="0"/>
+                        <a:t>G13</a:t>
+                      </a:r>
+                    </a:p>
+                  </a:txBody>
+                  <a:tcPr/>
+                </a:tc>
+                <a:tc>
+                  <a:txBody>
+                    <a:bodyPr/>
+                    <a:lstStyle/>
+                    <a:p>
+                      <a:r>
+                        <a:rPr lang="de-DE" dirty="0"/>
+                        <a:t>G24</a:t>
+                      </a:r>
+                    </a:p>
+                  </a:txBody>
+                  <a:tcPr/>
+                </a:tc>
+                <a:tc>
+                  <a:txBody>
+                    <a:bodyPr/>
+                    <a:lstStyle/>
+                    <a:p>
+                      <a:r>
+                        <a:rPr lang="de-DE" dirty="0"/>
+                        <a:t>G25</a:t>
+                      </a:r>
+                    </a:p>
+                  </a:txBody>
+                  <a:tcPr/>
+                </a:tc>
+                <a:tc>
+                  <a:txBody>
+                    <a:bodyPr/>
+                    <a:lstStyle/>
+                    <a:p>
+                      <a:r>
+                        <a:rPr lang="de-DE" dirty="0"/>
+                        <a:t>G26</a:t>
+                      </a:r>
+                    </a:p>
+                  </a:txBody>
+                  <a:tcPr/>
+                </a:tc>
+                <a:tc>
+                  <a:txBody>
+                    <a:bodyPr/>
+                    <a:lstStyle/>
+                    <a:p>
+                      <a:r>
+                        <a:rPr lang="de-DE" dirty="0"/>
+                        <a:t>G27</a:t>
+                      </a:r>
+                    </a:p>
+                  </a:txBody>
+                  <a:tcPr/>
+                </a:tc>
+                <a:tc>
+                  <a:txBody>
+                    <a:bodyPr/>
+                    <a:lstStyle/>
+                    <a:p>
+                      <a:r>
+                        <a:rPr lang="de-DE" dirty="0"/>
+                        <a:t>G28</a:t>
+                      </a:r>
+                    </a:p>
+                  </a:txBody>
+                  <a:tcPr/>
+                </a:tc>
+                <a:tc>
+                  <a:txBody>
+                    <a:bodyPr/>
+                    <a:lstStyle/>
+                    <a:p>
+                      <a:r>
+                        <a:rPr lang="de-DE" dirty="0"/>
+                        <a:t>G29</a:t>
+                      </a:r>
+                    </a:p>
+                  </a:txBody>
+                  <a:tcPr/>
+                </a:tc>
+                <a:extLst>
+                  <a:ext uri="{0D108BD9-81ED-4DB2-BD59-A6C34878D82A}">
+                    <a16:rowId xmlns:a16="http://schemas.microsoft.com/office/drawing/2014/main" val="685772858"/>
+                  </a:ext>
+                </a:extLst>
+              </a:tr>
+            </a:tbl>
+          </a:graphicData>
+        </a:graphic>
+      </p:graphicFrame>
+      <p:cxnSp>
+        <p:nvCxnSpPr>
+          <p:cNvPr id="12" name="Gerade Verbindung mit Pfeil 11">
+            <a:extLst>
+              <a:ext uri="{FF2B5EF4-FFF2-40B4-BE49-F238E27FC236}">
+                <a16:creationId xmlns:a16="http://schemas.microsoft.com/office/drawing/2014/main" id="{5D4C708F-7BA6-45C0-ACD6-34B8A31C8171}"/>
+              </a:ext>
+            </a:extLst>
+          </p:cNvPr>
+          <p:cNvCxnSpPr>
+            <a:cxnSpLocks/>
+          </p:cNvCxnSpPr>
+          <p:nvPr/>
+        </p:nvCxnSpPr>
+        <p:spPr>
+          <a:xfrm flipH="1">
+            <a:off x="5872480" y="4727593"/>
+            <a:ext cx="142240" cy="614027"/>
+          </a:xfrm>
+          <a:prstGeom prst="straightConnector1">
+            <a:avLst/>
+          </a:prstGeom>
+          <a:ln>
+            <a:tailEnd type="triangle"/>
+          </a:ln>
+        </p:spPr>
+        <p:style>
+          <a:lnRef idx="1">
+            <a:schemeClr val="accent1"/>
+          </a:lnRef>
+          <a:fillRef idx="0">
+            <a:schemeClr val="accent1"/>
+          </a:fillRef>
+          <a:effectRef idx="0">
+            <a:schemeClr val="accent1"/>
+          </a:effectRef>
+          <a:fontRef idx="minor">
+            <a:schemeClr val="tx1"/>
+          </a:fontRef>
+        </p:style>
+      </p:cxnSp>
+      <p:sp>
+        <p:nvSpPr>
+          <p:cNvPr id="14" name="Textfeld 13">
+            <a:extLst>
+              <a:ext uri="{FF2B5EF4-FFF2-40B4-BE49-F238E27FC236}">
+                <a16:creationId xmlns:a16="http://schemas.microsoft.com/office/drawing/2014/main" id="{479369C8-6472-4ECA-91A0-C2D78B3D3394}"/>
+              </a:ext>
+            </a:extLst>
+          </p:cNvPr>
+          <p:cNvSpPr txBox="1"/>
+          <p:nvPr/>
+        </p:nvSpPr>
+        <p:spPr>
+          <a:xfrm>
+            <a:off x="5943600" y="4151295"/>
+            <a:ext cx="1402080" cy="738664"/>
+          </a:xfrm>
+          <a:prstGeom prst="rect">
+            <a:avLst/>
+          </a:prstGeom>
+          <a:noFill/>
+        </p:spPr>
+        <p:txBody>
+          <a:bodyPr wrap="square" rtlCol="0">
+            <a:spAutoFit/>
+          </a:bodyPr>
+          <a:lstStyle/>
+          <a:p>
+            <a:r>
+              <a:rPr lang="de-DE" sz="1400" dirty="0"/>
+              <a:t>Zufällig ausgewählte Punkt</a:t>
+            </a:r>
+          </a:p>
+        </p:txBody>
+      </p:sp>
+    </p:spTree>
+    <p:extLst>
+      <p:ext uri="{BB962C8B-B14F-4D97-AF65-F5344CB8AC3E}">
+        <p14:creationId xmlns:p14="http://schemas.microsoft.com/office/powerpoint/2010/main" val="3408032506"/>
+      </p:ext>
+    </p:extLst>
+  </p:cSld>
+  <p:clrMapOvr>
+    <a:masterClrMapping/>
+  </p:clrMapOvr>
+</p:sld>
+</file>
+
+<file path=ppt/slides/slide7.xml><?xml version="1.0" encoding="utf-8"?>
+<p:sld xmlns:a="http://schemas.openxmlformats.org/drawingml/2006/main" xmlns:r="http://schemas.openxmlformats.org/officeDocument/2006/relationships" xmlns:p="http://schemas.openxmlformats.org/presentationml/2006/main">
+  <p:cSld>
+    <p:spTree>
+      <p:nvGrpSpPr>
+        <p:cNvPr id="1" name=""/>
+        <p:cNvGrpSpPr/>
+        <p:nvPr/>
+      </p:nvGrpSpPr>
+      <p:grpSpPr>
+        <a:xfrm>
+          <a:off x="0" y="0"/>
+          <a:ext cx="0" cy="0"/>
+          <a:chOff x="0" y="0"/>
+          <a:chExt cx="0" cy="0"/>
+        </a:xfrm>
+      </p:grpSpPr>
+      <p:sp>
+        <p:nvSpPr>
+          <p:cNvPr id="2" name="Titel 1">
+            <a:extLst>
+              <a:ext uri="{FF2B5EF4-FFF2-40B4-BE49-F238E27FC236}">
+                <a16:creationId xmlns:a16="http://schemas.microsoft.com/office/drawing/2014/main" id="{28E29530-E24E-42EC-B7BB-1FBDDD74CE77}"/>
+              </a:ext>
+            </a:extLst>
+          </p:cNvPr>
+          <p:cNvSpPr>
+            <a:spLocks noGrp="1"/>
+          </p:cNvSpPr>
+          <p:nvPr>
+            <p:ph type="title"/>
+          </p:nvPr>
+        </p:nvSpPr>
+        <p:spPr>
+          <a:xfrm>
+            <a:off x="838200" y="365125"/>
+            <a:ext cx="10515600" cy="854075"/>
+          </a:xfrm>
+        </p:spPr>
+        <p:txBody>
+          <a:bodyPr/>
+          <a:lstStyle/>
+          <a:p>
+            <a:r>
+              <a:rPr lang="de-DE" dirty="0"/>
+              <a:t>Mutation</a:t>
+            </a:r>
+          </a:p>
+        </p:txBody>
+      </p:sp>
+      <p:sp>
+        <p:nvSpPr>
+          <p:cNvPr id="3" name="Inhaltsplatzhalter 2">
+            <a:extLst>
+              <a:ext uri="{FF2B5EF4-FFF2-40B4-BE49-F238E27FC236}">
+                <a16:creationId xmlns:a16="http://schemas.microsoft.com/office/drawing/2014/main" id="{768ED866-CC42-4DC7-9CA1-3C2AB329E445}"/>
+              </a:ext>
+            </a:extLst>
+          </p:cNvPr>
+          <p:cNvSpPr>
+            <a:spLocks noGrp="1"/>
+          </p:cNvSpPr>
+          <p:nvPr>
+            <p:ph idx="1"/>
+          </p:nvPr>
+        </p:nvSpPr>
+        <p:spPr>
+          <a:xfrm>
+            <a:off x="838200" y="1219200"/>
+            <a:ext cx="10515600" cy="4957763"/>
+          </a:xfrm>
+        </p:spPr>
+        <p:txBody>
+          <a:bodyPr/>
+          <a:lstStyle/>
+          <a:p>
+            <a:r>
+              <a:rPr lang="de-DE" dirty="0"/>
+              <a:t>Nachdem mithilfe von Rekombination neue Population erzeugt wurde,  werden die einzelnen Gewichtswerte (Genen) jedes Chromosoms zufällig mutiert. </a:t>
+            </a:r>
+          </a:p>
+          <a:p>
+            <a:r>
+              <a:rPr lang="de-DE" dirty="0"/>
+              <a:t>Mutationsrate wird in unserem Fall zufällig ausgewählt, hält aber in Grenzen von 1 bis 3 Prozenten. </a:t>
+            </a:r>
+          </a:p>
+          <a:p>
+            <a:endParaRPr lang="de-DE" sz="2000" dirty="0"/>
+          </a:p>
+          <a:p>
+            <a:r>
+              <a:rPr lang="de-DE" sz="1800" dirty="0"/>
+              <a:t>Bevor Mutation</a:t>
+            </a:r>
+          </a:p>
+          <a:p>
+            <a:pPr marL="0" indent="0">
+              <a:buNone/>
+            </a:pPr>
+            <a:endParaRPr lang="de-DE" sz="1050" dirty="0"/>
+          </a:p>
+          <a:p>
+            <a:pPr marL="0" indent="0">
+              <a:buNone/>
+            </a:pPr>
+            <a:endParaRPr lang="de-DE" sz="1050" dirty="0"/>
+          </a:p>
+          <a:p>
+            <a:pPr marL="0" indent="0">
+              <a:buNone/>
+            </a:pPr>
+            <a:endParaRPr lang="de-DE" sz="1050" dirty="0"/>
+          </a:p>
+          <a:p>
+            <a:r>
+              <a:rPr lang="de-DE" sz="1800" dirty="0"/>
+              <a:t>Nach Mutation</a:t>
+            </a:r>
+            <a:endParaRPr lang="de-DE" sz="1600" dirty="0"/>
+          </a:p>
+        </p:txBody>
+      </p:sp>
+      <p:graphicFrame>
+        <p:nvGraphicFramePr>
+          <p:cNvPr id="4" name="Tabelle 3">
+            <a:extLst>
+              <a:ext uri="{FF2B5EF4-FFF2-40B4-BE49-F238E27FC236}">
+                <a16:creationId xmlns:a16="http://schemas.microsoft.com/office/drawing/2014/main" id="{FA4C6E99-3084-405F-BC87-DF1ABF4A39D6}"/>
+              </a:ext>
+            </a:extLst>
+          </p:cNvPr>
+          <p:cNvGraphicFramePr>
+            <a:graphicFrameLocks noGrp="1"/>
+          </p:cNvGraphicFramePr>
+          <p:nvPr>
+            <p:extLst>
+              <p:ext uri="{D42A27DB-BD31-4B8C-83A1-F6EECF244321}">
+                <p14:modId xmlns:p14="http://schemas.microsoft.com/office/powerpoint/2010/main" val="269960263"/>
+              </p:ext>
+            </p:extLst>
+          </p:nvPr>
+        </p:nvGraphicFramePr>
+        <p:xfrm>
+          <a:off x="2946400" y="3698081"/>
+          <a:ext cx="8128000" cy="365760"/>
+        </p:xfrm>
+        <a:graphic>
+          <a:graphicData uri="http://schemas.openxmlformats.org/drawingml/2006/table">
+            <a:tbl>
+              <a:tblPr firstRow="1" bandRow="1">
+                <a:tableStyleId>{5C22544A-7EE6-4342-B048-85BDC9FD1C3A}</a:tableStyleId>
+              </a:tblPr>
+              <a:tblGrid>
+                <a:gridCol w="812800">
+                  <a:extLst>
+                    <a:ext uri="{9D8B030D-6E8A-4147-A177-3AD203B41FA5}">
+                      <a16:colId xmlns:a16="http://schemas.microsoft.com/office/drawing/2014/main" val="203751517"/>
+                    </a:ext>
+                  </a:extLst>
+                </a:gridCol>
+                <a:gridCol w="812800">
+                  <a:extLst>
+                    <a:ext uri="{9D8B030D-6E8A-4147-A177-3AD203B41FA5}">
+                      <a16:colId xmlns:a16="http://schemas.microsoft.com/office/drawing/2014/main" val="1017356595"/>
+                    </a:ext>
+                  </a:extLst>
+                </a:gridCol>
+                <a:gridCol w="812800">
+                  <a:extLst>
+                    <a:ext uri="{9D8B030D-6E8A-4147-A177-3AD203B41FA5}">
+                      <a16:colId xmlns:a16="http://schemas.microsoft.com/office/drawing/2014/main" val="4211571031"/>
+                    </a:ext>
+                  </a:extLst>
+                </a:gridCol>
+                <a:gridCol w="812800">
+                  <a:extLst>
+                    <a:ext uri="{9D8B030D-6E8A-4147-A177-3AD203B41FA5}">
+                      <a16:colId xmlns:a16="http://schemas.microsoft.com/office/drawing/2014/main" val="212298304"/>
+                    </a:ext>
+                  </a:extLst>
+                </a:gridCol>
+                <a:gridCol w="812800">
+                  <a:extLst>
+                    <a:ext uri="{9D8B030D-6E8A-4147-A177-3AD203B41FA5}">
+                      <a16:colId xmlns:a16="http://schemas.microsoft.com/office/drawing/2014/main" val="2242759399"/>
+                    </a:ext>
+                  </a:extLst>
+                </a:gridCol>
+                <a:gridCol w="812800">
+                  <a:extLst>
+                    <a:ext uri="{9D8B030D-6E8A-4147-A177-3AD203B41FA5}">
+                      <a16:colId xmlns:a16="http://schemas.microsoft.com/office/drawing/2014/main" val="1909311978"/>
+                    </a:ext>
+                  </a:extLst>
+                </a:gridCol>
+                <a:gridCol w="812800">
+                  <a:extLst>
+                    <a:ext uri="{9D8B030D-6E8A-4147-A177-3AD203B41FA5}">
+                      <a16:colId xmlns:a16="http://schemas.microsoft.com/office/drawing/2014/main" val="2996525140"/>
+                    </a:ext>
+                  </a:extLst>
+                </a:gridCol>
+                <a:gridCol w="812800">
+                  <a:extLst>
+                    <a:ext uri="{9D8B030D-6E8A-4147-A177-3AD203B41FA5}">
+                      <a16:colId xmlns:a16="http://schemas.microsoft.com/office/drawing/2014/main" val="3376995154"/>
+                    </a:ext>
+                  </a:extLst>
+                </a:gridCol>
+                <a:gridCol w="812800">
+                  <a:extLst>
+                    <a:ext uri="{9D8B030D-6E8A-4147-A177-3AD203B41FA5}">
+                      <a16:colId xmlns:a16="http://schemas.microsoft.com/office/drawing/2014/main" val="412905134"/>
+                    </a:ext>
+                  </a:extLst>
+                </a:gridCol>
+                <a:gridCol w="812800">
+                  <a:extLst>
+                    <a:ext uri="{9D8B030D-6E8A-4147-A177-3AD203B41FA5}">
+                      <a16:colId xmlns:a16="http://schemas.microsoft.com/office/drawing/2014/main" val="825646218"/>
+                    </a:ext>
+                  </a:extLst>
+                </a:gridCol>
+              </a:tblGrid>
+              <a:tr h="284639">
+                <a:tc>
+                  <a:txBody>
+                    <a:bodyPr/>
+                    <a:lstStyle/>
+                    <a:p>
+                      <a:r>
+                        <a:rPr lang="de-DE" dirty="0"/>
+                        <a:t>0.5</a:t>
+                      </a:r>
+                    </a:p>
+                  </a:txBody>
+                  <a:tcPr/>
+                </a:tc>
+                <a:tc>
+                  <a:txBody>
+                    <a:bodyPr/>
+                    <a:lstStyle/>
+                    <a:p>
+                      <a:r>
+                        <a:rPr lang="de-DE" dirty="0"/>
+                        <a:t>0.3</a:t>
+                      </a:r>
+                    </a:p>
+                  </a:txBody>
+                  <a:tcPr/>
+                </a:tc>
+                <a:tc>
+                  <a:txBody>
+                    <a:bodyPr/>
+                    <a:lstStyle/>
+                    <a:p>
+                      <a:r>
+                        <a:rPr lang="de-DE" dirty="0"/>
+                        <a:t>0.1</a:t>
+                      </a:r>
+                    </a:p>
+                  </a:txBody>
+                  <a:tcPr/>
+                </a:tc>
+                <a:tc>
+                  <a:txBody>
+                    <a:bodyPr/>
+                    <a:lstStyle/>
+                    <a:p>
+                      <a:r>
+                        <a:rPr lang="de-DE" dirty="0"/>
+                        <a:t>0.6</a:t>
+                      </a:r>
+                    </a:p>
+                  </a:txBody>
+                  <a:tcPr/>
+                </a:tc>
+                <a:tc>
+                  <a:txBody>
+                    <a:bodyPr/>
+                    <a:lstStyle/>
+                    <a:p>
+                      <a:r>
+                        <a:rPr lang="de-DE" dirty="0"/>
+                        <a:t>0.51</a:t>
+                      </a:r>
+                    </a:p>
+                  </a:txBody>
+                  <a:tcPr/>
+                </a:tc>
+                <a:tc>
+                  <a:txBody>
+                    <a:bodyPr/>
+                    <a:lstStyle/>
+                    <a:p>
+                      <a:r>
+                        <a:rPr lang="de-DE" dirty="0"/>
+                        <a:t>0.42</a:t>
+                      </a:r>
+                    </a:p>
+                  </a:txBody>
+                  <a:tcPr/>
+                </a:tc>
+                <a:tc>
+                  <a:txBody>
+                    <a:bodyPr/>
+                    <a:lstStyle/>
+                    <a:p>
+                      <a:r>
+                        <a:rPr lang="de-DE" dirty="0"/>
+                        <a:t>0.93</a:t>
+                      </a:r>
+                    </a:p>
+                  </a:txBody>
+                  <a:tcPr/>
+                </a:tc>
+                <a:tc>
+                  <a:txBody>
+                    <a:bodyPr/>
+                    <a:lstStyle/>
+                    <a:p>
+                      <a:r>
+                        <a:rPr lang="de-DE" dirty="0"/>
+                        <a:t>0.01</a:t>
+                      </a:r>
+                    </a:p>
+                  </a:txBody>
+                  <a:tcPr/>
+                </a:tc>
+                <a:tc>
+                  <a:txBody>
+                    <a:bodyPr/>
+                    <a:lstStyle/>
+                    <a:p>
+                      <a:r>
+                        <a:rPr lang="de-DE" dirty="0"/>
+                        <a:t>0.23</a:t>
+                      </a:r>
+                    </a:p>
+                  </a:txBody>
+                  <a:tcPr/>
+                </a:tc>
+                <a:tc>
+                  <a:txBody>
+                    <a:bodyPr/>
+                    <a:lstStyle/>
+                    <a:p>
+                      <a:r>
+                        <a:rPr lang="de-DE" dirty="0"/>
+                        <a:t>0.33</a:t>
+                      </a:r>
+                    </a:p>
+                  </a:txBody>
+                  <a:tcPr/>
+                </a:tc>
+                <a:extLst>
+                  <a:ext uri="{0D108BD9-81ED-4DB2-BD59-A6C34878D82A}">
+                    <a16:rowId xmlns:a16="http://schemas.microsoft.com/office/drawing/2014/main" val="239285857"/>
+                  </a:ext>
+                </a:extLst>
+              </a:tr>
+            </a:tbl>
+          </a:graphicData>
+        </a:graphic>
+      </p:graphicFrame>
+      <p:graphicFrame>
+        <p:nvGraphicFramePr>
+          <p:cNvPr id="5" name="Tabelle 4">
+            <a:extLst>
+              <a:ext uri="{FF2B5EF4-FFF2-40B4-BE49-F238E27FC236}">
+                <a16:creationId xmlns:a16="http://schemas.microsoft.com/office/drawing/2014/main" id="{ED9E6406-4F28-4394-9FC2-38DB2E458D71}"/>
+              </a:ext>
+            </a:extLst>
+          </p:cNvPr>
+          <p:cNvGraphicFramePr>
+            <a:graphicFrameLocks noGrp="1"/>
+          </p:cNvGraphicFramePr>
+          <p:nvPr>
+            <p:extLst>
+              <p:ext uri="{D42A27DB-BD31-4B8C-83A1-F6EECF244321}">
+                <p14:modId xmlns:p14="http://schemas.microsoft.com/office/powerpoint/2010/main" val="1956255856"/>
+              </p:ext>
+            </p:extLst>
+          </p:nvPr>
+        </p:nvGraphicFramePr>
+        <p:xfrm>
+          <a:off x="2946400" y="4922996"/>
+          <a:ext cx="8128000" cy="370840"/>
+        </p:xfrm>
+        <a:graphic>
+          <a:graphicData uri="http://schemas.openxmlformats.org/drawingml/2006/table">
+            <a:tbl>
+              <a:tblPr firstRow="1" bandRow="1">
+                <a:tableStyleId>{5C22544A-7EE6-4342-B048-85BDC9FD1C3A}</a:tableStyleId>
+              </a:tblPr>
+              <a:tblGrid>
+                <a:gridCol w="812800">
+                  <a:extLst>
+                    <a:ext uri="{9D8B030D-6E8A-4147-A177-3AD203B41FA5}">
+                      <a16:colId xmlns:a16="http://schemas.microsoft.com/office/drawing/2014/main" val="203751517"/>
+                    </a:ext>
+                  </a:extLst>
+                </a:gridCol>
+                <a:gridCol w="812800">
+                  <a:extLst>
+                    <a:ext uri="{9D8B030D-6E8A-4147-A177-3AD203B41FA5}">
+                      <a16:colId xmlns:a16="http://schemas.microsoft.com/office/drawing/2014/main" val="1017356595"/>
+                    </a:ext>
+                  </a:extLst>
+                </a:gridCol>
+                <a:gridCol w="812800">
+                  <a:extLst>
+                    <a:ext uri="{9D8B030D-6E8A-4147-A177-3AD203B41FA5}">
+                      <a16:colId xmlns:a16="http://schemas.microsoft.com/office/drawing/2014/main" val="4211571031"/>
+                    </a:ext>
+                  </a:extLst>
+                </a:gridCol>
+                <a:gridCol w="812800">
+                  <a:extLst>
+                    <a:ext uri="{9D8B030D-6E8A-4147-A177-3AD203B41FA5}">
+                      <a16:colId xmlns:a16="http://schemas.microsoft.com/office/drawing/2014/main" val="212298304"/>
+                    </a:ext>
+                  </a:extLst>
+                </a:gridCol>
+                <a:gridCol w="812800">
+                  <a:extLst>
+                    <a:ext uri="{9D8B030D-6E8A-4147-A177-3AD203B41FA5}">
+                      <a16:colId xmlns:a16="http://schemas.microsoft.com/office/drawing/2014/main" val="2242759399"/>
+                    </a:ext>
+                  </a:extLst>
+                </a:gridCol>
+                <a:gridCol w="812800">
+                  <a:extLst>
+                    <a:ext uri="{9D8B030D-6E8A-4147-A177-3AD203B41FA5}">
+                      <a16:colId xmlns:a16="http://schemas.microsoft.com/office/drawing/2014/main" val="1909311978"/>
+                    </a:ext>
+                  </a:extLst>
+                </a:gridCol>
+                <a:gridCol w="812800">
+                  <a:extLst>
+                    <a:ext uri="{9D8B030D-6E8A-4147-A177-3AD203B41FA5}">
+                      <a16:colId xmlns:a16="http://schemas.microsoft.com/office/drawing/2014/main" val="2996525140"/>
+                    </a:ext>
+                  </a:extLst>
+                </a:gridCol>
+                <a:gridCol w="812800">
+                  <a:extLst>
+                    <a:ext uri="{9D8B030D-6E8A-4147-A177-3AD203B41FA5}">
+                      <a16:colId xmlns:a16="http://schemas.microsoft.com/office/drawing/2014/main" val="3376995154"/>
+                    </a:ext>
+                  </a:extLst>
+                </a:gridCol>
+                <a:gridCol w="812800">
+                  <a:extLst>
+                    <a:ext uri="{9D8B030D-6E8A-4147-A177-3AD203B41FA5}">
+                      <a16:colId xmlns:a16="http://schemas.microsoft.com/office/drawing/2014/main" val="412905134"/>
+                    </a:ext>
+                  </a:extLst>
+                </a:gridCol>
+                <a:gridCol w="812800">
+                  <a:extLst>
+                    <a:ext uri="{9D8B030D-6E8A-4147-A177-3AD203B41FA5}">
+                      <a16:colId xmlns:a16="http://schemas.microsoft.com/office/drawing/2014/main" val="825646218"/>
+                    </a:ext>
+                  </a:extLst>
+                </a:gridCol>
+              </a:tblGrid>
+              <a:tr h="370840">
+                <a:tc>
+                  <a:txBody>
+                    <a:bodyPr/>
+                    <a:lstStyle/>
+                    <a:p>
+                      <a:r>
+                        <a:rPr lang="de-DE" dirty="0"/>
+                        <a:t>0.5</a:t>
+                      </a:r>
+                    </a:p>
+                  </a:txBody>
+                  <a:tcPr/>
+                </a:tc>
+                <a:tc>
+                  <a:txBody>
+                    <a:bodyPr/>
+                    <a:lstStyle/>
+                    <a:p>
+                      <a:r>
+                        <a:rPr lang="de-DE" dirty="0"/>
+                        <a:t>0.3</a:t>
+                      </a:r>
+                    </a:p>
+                  </a:txBody>
+                  <a:tcPr/>
+                </a:tc>
+                <a:tc>
+                  <a:txBody>
+                    <a:bodyPr/>
+                    <a:lstStyle/>
+                    <a:p>
+                      <a:r>
+                        <a:rPr lang="de-DE" dirty="0"/>
+                        <a:t>0.1</a:t>
+                      </a:r>
+                    </a:p>
+                  </a:txBody>
+                  <a:tcPr/>
+                </a:tc>
+                <a:tc>
+                  <a:txBody>
+                    <a:bodyPr/>
+                    <a:lstStyle/>
+                    <a:p>
+                      <a:r>
+                        <a:rPr lang="de-DE" dirty="0"/>
+                        <a:t>0.6</a:t>
+                      </a:r>
+                    </a:p>
+                  </a:txBody>
+                  <a:tcPr/>
+                </a:tc>
+                <a:tc>
+                  <a:txBody>
+                    <a:bodyPr/>
+                    <a:lstStyle/>
+                    <a:p>
+                      <a:r>
+                        <a:rPr lang="de-DE" dirty="0">
+                          <a:solidFill>
+                            <a:srgbClr val="FF0000"/>
+                          </a:solidFill>
+                        </a:rPr>
+                        <a:t>0.63</a:t>
+                      </a:r>
+                    </a:p>
+                  </a:txBody>
+                  <a:tcPr/>
+                </a:tc>
+                <a:tc>
+                  <a:txBody>
+                    <a:bodyPr/>
+                    <a:lstStyle/>
+                    <a:p>
+                      <a:r>
+                        <a:rPr lang="de-DE" dirty="0"/>
+                        <a:t>0.42</a:t>
+                      </a:r>
+                    </a:p>
+                  </a:txBody>
+                  <a:tcPr/>
+                </a:tc>
+                <a:tc>
+                  <a:txBody>
+                    <a:bodyPr/>
+                    <a:lstStyle/>
+                    <a:p>
+                      <a:r>
+                        <a:rPr lang="de-DE" dirty="0"/>
+                        <a:t>0.93</a:t>
+                      </a:r>
+                    </a:p>
+                  </a:txBody>
+                  <a:tcPr/>
+                </a:tc>
+                <a:tc>
+                  <a:txBody>
+                    <a:bodyPr/>
+                    <a:lstStyle/>
+                    <a:p>
+                      <a:r>
+                        <a:rPr lang="de-DE" dirty="0">
+                          <a:solidFill>
+                            <a:srgbClr val="FF0000"/>
+                          </a:solidFill>
+                        </a:rPr>
+                        <a:t>0.33</a:t>
+                      </a:r>
+                    </a:p>
+                  </a:txBody>
+                  <a:tcPr/>
+                </a:tc>
+                <a:tc>
+                  <a:txBody>
+                    <a:bodyPr/>
+                    <a:lstStyle/>
+                    <a:p>
+                      <a:r>
+                        <a:rPr lang="de-DE" dirty="0"/>
+                        <a:t>0.23</a:t>
+                      </a:r>
+                    </a:p>
+                  </a:txBody>
+                  <a:tcPr/>
+                </a:tc>
+                <a:tc>
+                  <a:txBody>
+                    <a:bodyPr/>
+                    <a:lstStyle/>
+                    <a:p>
+                      <a:r>
+                        <a:rPr lang="de-DE" dirty="0"/>
+                        <a:t>0.33</a:t>
+                      </a:r>
+                    </a:p>
+                  </a:txBody>
+                  <a:tcPr/>
+                </a:tc>
+                <a:extLst>
+                  <a:ext uri="{0D108BD9-81ED-4DB2-BD59-A6C34878D82A}">
+                    <a16:rowId xmlns:a16="http://schemas.microsoft.com/office/drawing/2014/main" val="239285857"/>
+                  </a:ext>
+                </a:extLst>
+              </a:tr>
+            </a:tbl>
+          </a:graphicData>
+        </a:graphic>
+      </p:graphicFrame>
+    </p:spTree>
+    <p:extLst>
+      <p:ext uri="{BB962C8B-B14F-4D97-AF65-F5344CB8AC3E}">
+        <p14:creationId xmlns:p14="http://schemas.microsoft.com/office/powerpoint/2010/main" val="1963816162"/>
+      </p:ext>
+    </p:extLst>
+  </p:cSld>
+  <p:clrMapOvr>
+    <a:masterClrMapping/>
+  </p:clrMapOvr>
+</p:sld>
+</file>
+
+<file path=ppt/slides/slide8.xml><?xml version="1.0" encoding="utf-8"?>
+<p:sld xmlns:a="http://schemas.openxmlformats.org/drawingml/2006/main" xmlns:r="http://schemas.openxmlformats.org/officeDocument/2006/relationships" xmlns:p="http://schemas.openxmlformats.org/presentationml/2006/main">
+  <p:cSld>
+    <p:spTree>
+      <p:nvGrpSpPr>
+        <p:cNvPr id="1" name=""/>
+        <p:cNvGrpSpPr/>
+        <p:nvPr/>
+      </p:nvGrpSpPr>
+      <p:grpSpPr>
+        <a:xfrm>
+          <a:off x="0" y="0"/>
+          <a:ext cx="0" cy="0"/>
+          <a:chOff x="0" y="0"/>
+          <a:chExt cx="0" cy="0"/>
+        </a:xfrm>
+      </p:grpSpPr>
+      <p:sp>
+        <p:nvSpPr>
+          <p:cNvPr id="2" name="Titel 1">
+            <a:extLst>
+              <a:ext uri="{FF2B5EF4-FFF2-40B4-BE49-F238E27FC236}">
+                <a16:creationId xmlns:a16="http://schemas.microsoft.com/office/drawing/2014/main" id="{EB462715-7903-4208-BB57-A6EB1A1B42B3}"/>
+              </a:ext>
+            </a:extLst>
+          </p:cNvPr>
+          <p:cNvSpPr>
+            <a:spLocks noGrp="1"/>
+          </p:cNvSpPr>
+          <p:nvPr>
+            <p:ph type="title"/>
+          </p:nvPr>
+        </p:nvSpPr>
+        <p:spPr/>
+        <p:txBody>
+          <a:bodyPr/>
+          <a:lstStyle/>
+          <a:p>
+            <a:r>
+              <a:rPr lang="de-DE" dirty="0"/>
+              <a:t>Bewertung von NN mit GA</a:t>
+            </a:r>
+          </a:p>
+        </p:txBody>
+      </p:sp>
+      <p:sp>
+        <p:nvSpPr>
+          <p:cNvPr id="3" name="Inhaltsplatzhalter 2">
+            <a:extLst>
+              <a:ext uri="{FF2B5EF4-FFF2-40B4-BE49-F238E27FC236}">
+                <a16:creationId xmlns:a16="http://schemas.microsoft.com/office/drawing/2014/main" id="{6057A4C5-83BA-49C8-A9D8-AEB520266B1E}"/>
+              </a:ext>
+            </a:extLst>
+          </p:cNvPr>
+          <p:cNvSpPr>
+            <a:spLocks noGrp="1"/>
+          </p:cNvSpPr>
+          <p:nvPr>
+            <p:ph idx="1"/>
+          </p:nvPr>
+        </p:nvSpPr>
+        <p:spPr>
+          <a:xfrm>
+            <a:off x="838200" y="1341120"/>
+            <a:ext cx="10515600" cy="4835843"/>
+          </a:xfrm>
+        </p:spPr>
+        <p:txBody>
+          <a:bodyPr/>
+          <a:lstStyle/>
+          <a:p>
+            <a:endParaRPr lang="de-DE" dirty="0"/>
+          </a:p>
+        </p:txBody>
+      </p:sp>
+    </p:spTree>
+    <p:extLst>
+      <p:ext uri="{BB962C8B-B14F-4D97-AF65-F5344CB8AC3E}">
+        <p14:creationId xmlns:p14="http://schemas.microsoft.com/office/powerpoint/2010/main" val="316393421"/>
       </p:ext>
     </p:extLst>
   </p:cSld>

--- a/gaFXGradle/AbgabeKovalenko/PrasentationKovalenko.pptx
+++ b/gaFXGradle/AbgabeKovalenko/PrasentationKovalenko.pptx
@@ -13,6 +13,7 @@
     <p:sldId id="261" r:id="rId7"/>
     <p:sldId id="262" r:id="rId8"/>
     <p:sldId id="263" r:id="rId9"/>
+    <p:sldId id="264" r:id="rId10"/>
   </p:sldIdLst>
   <p:sldSz cx="12192000" cy="6858000"/>
   <p:notesSz cx="6858000" cy="9144000"/>
@@ -266,7 +267,7 @@
           <a:p>
             <a:fld id="{A7D83856-52CB-4559-B891-F013F878C615}" type="datetimeFigureOut">
               <a:rPr lang="de-DE" smtClean="0"/>
-              <a:t>07.07.2019</a:t>
+              <a:t>21.07.2019</a:t>
             </a:fld>
             <a:endParaRPr lang="de-DE"/>
           </a:p>
@@ -464,7 +465,7 @@
           <a:p>
             <a:fld id="{A7D83856-52CB-4559-B891-F013F878C615}" type="datetimeFigureOut">
               <a:rPr lang="de-DE" smtClean="0"/>
-              <a:t>07.07.2019</a:t>
+              <a:t>21.07.2019</a:t>
             </a:fld>
             <a:endParaRPr lang="de-DE"/>
           </a:p>
@@ -672,7 +673,7 @@
           <a:p>
             <a:fld id="{A7D83856-52CB-4559-B891-F013F878C615}" type="datetimeFigureOut">
               <a:rPr lang="de-DE" smtClean="0"/>
-              <a:t>07.07.2019</a:t>
+              <a:t>21.07.2019</a:t>
             </a:fld>
             <a:endParaRPr lang="de-DE"/>
           </a:p>
@@ -870,7 +871,7 @@
           <a:p>
             <a:fld id="{A7D83856-52CB-4559-B891-F013F878C615}" type="datetimeFigureOut">
               <a:rPr lang="de-DE" smtClean="0"/>
-              <a:t>07.07.2019</a:t>
+              <a:t>21.07.2019</a:t>
             </a:fld>
             <a:endParaRPr lang="de-DE"/>
           </a:p>
@@ -1145,7 +1146,7 @@
           <a:p>
             <a:fld id="{A7D83856-52CB-4559-B891-F013F878C615}" type="datetimeFigureOut">
               <a:rPr lang="de-DE" smtClean="0"/>
-              <a:t>07.07.2019</a:t>
+              <a:t>21.07.2019</a:t>
             </a:fld>
             <a:endParaRPr lang="de-DE"/>
           </a:p>
@@ -1410,7 +1411,7 @@
           <a:p>
             <a:fld id="{A7D83856-52CB-4559-B891-F013F878C615}" type="datetimeFigureOut">
               <a:rPr lang="de-DE" smtClean="0"/>
-              <a:t>07.07.2019</a:t>
+              <a:t>21.07.2019</a:t>
             </a:fld>
             <a:endParaRPr lang="de-DE"/>
           </a:p>
@@ -1822,7 +1823,7 @@
           <a:p>
             <a:fld id="{A7D83856-52CB-4559-B891-F013F878C615}" type="datetimeFigureOut">
               <a:rPr lang="de-DE" smtClean="0"/>
-              <a:t>07.07.2019</a:t>
+              <a:t>21.07.2019</a:t>
             </a:fld>
             <a:endParaRPr lang="de-DE"/>
           </a:p>
@@ -1963,7 +1964,7 @@
           <a:p>
             <a:fld id="{A7D83856-52CB-4559-B891-F013F878C615}" type="datetimeFigureOut">
               <a:rPr lang="de-DE" smtClean="0"/>
-              <a:t>07.07.2019</a:t>
+              <a:t>21.07.2019</a:t>
             </a:fld>
             <a:endParaRPr lang="de-DE"/>
           </a:p>
@@ -2076,7 +2077,7 @@
           <a:p>
             <a:fld id="{A7D83856-52CB-4559-B891-F013F878C615}" type="datetimeFigureOut">
               <a:rPr lang="de-DE" smtClean="0"/>
-              <a:t>07.07.2019</a:t>
+              <a:t>21.07.2019</a:t>
             </a:fld>
             <a:endParaRPr lang="de-DE"/>
           </a:p>
@@ -2387,7 +2388,7 @@
           <a:p>
             <a:fld id="{A7D83856-52CB-4559-B891-F013F878C615}" type="datetimeFigureOut">
               <a:rPr lang="de-DE" smtClean="0"/>
-              <a:t>07.07.2019</a:t>
+              <a:t>21.07.2019</a:t>
             </a:fld>
             <a:endParaRPr lang="de-DE"/>
           </a:p>
@@ -2675,7 +2676,7 @@
           <a:p>
             <a:fld id="{A7D83856-52CB-4559-B891-F013F878C615}" type="datetimeFigureOut">
               <a:rPr lang="de-DE" smtClean="0"/>
-              <a:t>07.07.2019</a:t>
+              <a:t>21.07.2019</a:t>
             </a:fld>
             <a:endParaRPr lang="de-DE"/>
           </a:p>
@@ -2916,7 +2917,7 @@
           <a:p>
             <a:fld id="{A7D83856-52CB-4559-B891-F013F878C615}" type="datetimeFigureOut">
               <a:rPr lang="de-DE" smtClean="0"/>
-              <a:t>07.07.2019</a:t>
+              <a:t>21.07.2019</a:t>
             </a:fld>
             <a:endParaRPr lang="de-DE"/>
           </a:p>
@@ -3649,11 +3650,11 @@
           <a:p>
             <a:r>
               <a:rPr lang="de-DE" dirty="0"/>
-              <a:t>5. Mutation (max. 5% pro </a:t>
+              <a:t>5. Mutation (max. 5% der </a:t>
             </a:r>
             <a:r>
               <a:rPr lang="de-DE" dirty="0" err="1"/>
-              <a:t>Chromosome</a:t>
+              <a:t>Chromosomem</a:t>
             </a:r>
             <a:r>
               <a:rPr lang="de-DE" dirty="0"/>
@@ -3771,7 +3772,7 @@
           <a:p>
             <a:r>
               <a:rPr lang="de-DE" dirty="0"/>
-              <a:t>Jede </a:t>
+              <a:t>Jedes </a:t>
             </a:r>
             <a:r>
               <a:rPr lang="de-DE" dirty="0" err="1"/>
@@ -3860,7 +3861,15 @@
             </a:pPr>
             <a:r>
               <a:rPr lang="de-DE" dirty="0"/>
-              <a:t>Wo G ein Gewichtswert ist</a:t>
+              <a:t>Wo G</a:t>
+            </a:r>
+            <a:r>
+              <a:rPr lang="en-CA" dirty="0"/>
+              <a:t> =</a:t>
+            </a:r>
+            <a:r>
+              <a:rPr lang="de-DE" dirty="0"/>
+              <a:t> Gewichtswert </a:t>
             </a:r>
           </a:p>
           <a:p>
@@ -4813,21 +4822,13 @@
             </a:r>
             <a:r>
               <a:rPr lang="de-DE" dirty="0"/>
-              <a:t> (</a:t>
-            </a:r>
-            <a:r>
-              <a:rPr lang="de-DE" dirty="0" err="1"/>
-              <a:t>Chromosome</a:t>
-            </a:r>
+              <a:t> (Vektor) wird mit einem Score bewertet</a:t>
+            </a:r>
+          </a:p>
+          <a:p>
             <a:r>
               <a:rPr lang="de-DE" dirty="0"/>
-              <a:t>) wird mit einem Score bewertet</a:t>
-            </a:r>
-          </a:p>
-          <a:p>
-            <a:r>
-              <a:rPr lang="de-DE" dirty="0"/>
-              <a:t>Die Score ist in unserem Fall die Zahl der richtig erkannten Muster </a:t>
+              <a:t>Der Score ist in unserem Fall die Zahl der richtig erkannten Muster </a:t>
             </a:r>
           </a:p>
           <a:p>
@@ -4969,23 +4970,7 @@
             </a:pPr>
             <a:r>
               <a:rPr lang="de-DE" dirty="0"/>
-              <a:t> Neue Population wird durch Rekombination erzeugt. Es passiert sowohl für </a:t>
-            </a:r>
-            <a:r>
-              <a:rPr lang="de-DE" dirty="0" err="1"/>
-              <a:t>Hiddenschicht</a:t>
-            </a:r>
-            <a:r>
-              <a:rPr lang="de-DE" dirty="0"/>
-              <a:t> als auch für </a:t>
-            </a:r>
-            <a:r>
-              <a:rPr lang="de-DE" dirty="0" err="1"/>
-              <a:t>Outputschicht</a:t>
-            </a:r>
-            <a:r>
-              <a:rPr lang="de-DE" dirty="0"/>
-              <a:t>. </a:t>
+              <a:t> Neue Population wird durch Rekombination erzeugt. Es passiert sowohl für die Zwischenschicht als auch für Ausgabeschicht. </a:t>
             </a:r>
           </a:p>
           <a:p>
@@ -5868,7 +5853,7 @@
           <a:p>
             <a:r>
               <a:rPr lang="de-DE" sz="1400" dirty="0"/>
-              <a:t>Zufällig ausgewählte Punkt</a:t>
+              <a:t>Zufällig ausgewählte Punkt r</a:t>
             </a:r>
           </a:p>
         </p:txBody>
@@ -6549,14 +6534,19 @@
             <p:ph type="title"/>
           </p:nvPr>
         </p:nvSpPr>
-        <p:spPr/>
+        <p:spPr>
+          <a:xfrm>
+            <a:off x="838200" y="365125"/>
+            <a:ext cx="10515600" cy="732155"/>
+          </a:xfrm>
+        </p:spPr>
         <p:txBody>
           <a:bodyPr/>
           <a:lstStyle/>
           <a:p>
             <a:r>
               <a:rPr lang="de-DE" dirty="0"/>
-              <a:t>Bewertung von NN mit GA</a:t>
+              <a:t>Bewertung</a:t>
             </a:r>
           </a:p>
         </p:txBody>
@@ -6579,22 +6569,603 @@
         </p:nvSpPr>
         <p:spPr>
           <a:xfrm>
-            <a:off x="838200" y="1341120"/>
-            <a:ext cx="10515600" cy="4835843"/>
+            <a:off x="690880" y="1330960"/>
+            <a:ext cx="10749280" cy="5293360"/>
           </a:xfrm>
         </p:spPr>
         <p:txBody>
-          <a:bodyPr/>
+          <a:bodyPr>
+            <a:normAutofit/>
+          </a:bodyPr>
           <a:lstStyle/>
           <a:p>
+            <a:r>
+              <a:rPr lang="en-CA" sz="2400" dirty="0" err="1"/>
+              <a:t>Neuronales</a:t>
+            </a:r>
+            <a:r>
+              <a:rPr lang="en-CA" sz="2400" dirty="0"/>
+              <a:t> </a:t>
+            </a:r>
+            <a:r>
+              <a:rPr lang="en-CA" sz="2400" dirty="0" err="1"/>
+              <a:t>Netz</a:t>
+            </a:r>
+            <a:r>
+              <a:rPr lang="en-CA" sz="2400" dirty="0"/>
+              <a:t> </a:t>
+            </a:r>
+            <a:r>
+              <a:rPr lang="en-CA" sz="2400" dirty="0" err="1"/>
+              <a:t>trainiert</a:t>
+            </a:r>
+            <a:r>
+              <a:rPr lang="en-CA" sz="2400" dirty="0"/>
+              <a:t> </a:t>
+            </a:r>
+            <a:r>
+              <a:rPr lang="en-CA" sz="2400" dirty="0" err="1"/>
+              <a:t>mit</a:t>
+            </a:r>
+            <a:r>
+              <a:rPr lang="en-CA" sz="2400" dirty="0"/>
+              <a:t> GA </a:t>
+            </a:r>
+            <a:r>
+              <a:rPr lang="en-CA" sz="2400" dirty="0" err="1"/>
+              <a:t>zeigte</a:t>
+            </a:r>
+            <a:r>
+              <a:rPr lang="en-CA" sz="2400" dirty="0"/>
+              <a:t> </a:t>
+            </a:r>
+            <a:r>
+              <a:rPr lang="en-CA" sz="2400" dirty="0" err="1"/>
+              <a:t>Genauigkeit</a:t>
+            </a:r>
+            <a:r>
+              <a:rPr lang="en-CA" sz="2400" dirty="0"/>
+              <a:t> von 88 % </a:t>
+            </a:r>
+            <a:r>
+              <a:rPr lang="en-CA" sz="2400" dirty="0" err="1"/>
+              <a:t>bei</a:t>
+            </a:r>
+            <a:r>
+              <a:rPr lang="en-CA" sz="2400" dirty="0"/>
+              <a:t> 4000 </a:t>
+            </a:r>
+            <a:r>
+              <a:rPr lang="en-CA" sz="2400" dirty="0" err="1"/>
+              <a:t>Iterationen</a:t>
+            </a:r>
+            <a:r>
+              <a:rPr lang="en-CA" sz="2400" dirty="0"/>
+              <a:t> und </a:t>
+            </a:r>
+            <a:r>
+              <a:rPr lang="en-CA" sz="2400" dirty="0" err="1"/>
+              <a:t>Populationsgröße</a:t>
+            </a:r>
+            <a:r>
+              <a:rPr lang="en-CA" sz="2400" dirty="0"/>
+              <a:t> von 100. </a:t>
+            </a:r>
+          </a:p>
+          <a:p>
+            <a:r>
+              <a:rPr lang="en-CA" sz="2400" dirty="0" err="1"/>
+              <a:t>Neuronales</a:t>
+            </a:r>
+            <a:r>
+              <a:rPr lang="en-CA" sz="2400" dirty="0"/>
+              <a:t> </a:t>
+            </a:r>
+            <a:r>
+              <a:rPr lang="en-CA" sz="2400" dirty="0" err="1"/>
+              <a:t>Netz</a:t>
+            </a:r>
+            <a:r>
+              <a:rPr lang="en-CA" sz="2400" dirty="0"/>
+              <a:t> </a:t>
+            </a:r>
+            <a:r>
+              <a:rPr lang="en-CA" sz="2400" dirty="0" err="1"/>
+              <a:t>trainiert</a:t>
+            </a:r>
+            <a:r>
+              <a:rPr lang="en-CA" sz="2400" dirty="0"/>
+              <a:t> </a:t>
+            </a:r>
+            <a:r>
+              <a:rPr lang="en-CA" sz="2400" dirty="0" err="1"/>
+              <a:t>mit</a:t>
+            </a:r>
+            <a:r>
+              <a:rPr lang="en-CA" sz="2400" dirty="0"/>
+              <a:t> BP </a:t>
+            </a:r>
+            <a:r>
+              <a:rPr lang="en-CA" sz="2400" dirty="0" err="1"/>
+              <a:t>zeigte</a:t>
+            </a:r>
+            <a:r>
+              <a:rPr lang="en-CA" sz="2400" dirty="0"/>
+              <a:t> </a:t>
+            </a:r>
+            <a:r>
+              <a:rPr lang="en-CA" sz="2400" dirty="0" err="1"/>
+              <a:t>Genauigkeit</a:t>
+            </a:r>
+            <a:r>
+              <a:rPr lang="en-CA" sz="2400" dirty="0"/>
+              <a:t> von 94 % </a:t>
+            </a:r>
+            <a:r>
+              <a:rPr lang="en-CA" sz="2400" dirty="0" err="1"/>
+              <a:t>bei</a:t>
+            </a:r>
+            <a:r>
+              <a:rPr lang="en-CA" sz="2400" dirty="0"/>
+              <a:t> 4000 </a:t>
+            </a:r>
+            <a:r>
+              <a:rPr lang="en-CA" sz="2400" dirty="0" err="1"/>
+              <a:t>Iterationen</a:t>
+            </a:r>
+            <a:r>
+              <a:rPr lang="en-CA" sz="2400" dirty="0"/>
+              <a:t> und </a:t>
+            </a:r>
+            <a:r>
+              <a:rPr lang="en-CA" sz="2400" dirty="0" err="1"/>
+              <a:t>Lernrate</a:t>
+            </a:r>
+            <a:r>
+              <a:rPr lang="en-CA" sz="2400" dirty="0"/>
+              <a:t> von 0.8  </a:t>
+            </a:r>
+          </a:p>
+          <a:p>
+            <a:endParaRPr lang="en-CA" dirty="0"/>
+          </a:p>
+          <a:p>
             <a:endParaRPr lang="de-DE" dirty="0"/>
           </a:p>
         </p:txBody>
       </p:sp>
+      <p:graphicFrame>
+        <p:nvGraphicFramePr>
+          <p:cNvPr id="5" name="Tabelle 4">
+            <a:extLst>
+              <a:ext uri="{FF2B5EF4-FFF2-40B4-BE49-F238E27FC236}">
+                <a16:creationId xmlns:a16="http://schemas.microsoft.com/office/drawing/2014/main" id="{B1120055-7629-431A-98A7-EEBC67F50220}"/>
+              </a:ext>
+            </a:extLst>
+          </p:cNvPr>
+          <p:cNvGraphicFramePr>
+            <a:graphicFrameLocks noGrp="1"/>
+          </p:cNvGraphicFramePr>
+          <p:nvPr>
+            <p:extLst>
+              <p:ext uri="{D42A27DB-BD31-4B8C-83A1-F6EECF244321}">
+                <p14:modId xmlns:p14="http://schemas.microsoft.com/office/powerpoint/2010/main" val="1488894078"/>
+              </p:ext>
+            </p:extLst>
+          </p:nvPr>
+        </p:nvGraphicFramePr>
+        <p:xfrm>
+          <a:off x="2265680" y="2875280"/>
+          <a:ext cx="7934960" cy="3749040"/>
+        </p:xfrm>
+        <a:graphic>
+          <a:graphicData uri="http://schemas.openxmlformats.org/drawingml/2006/table">
+            <a:tbl>
+              <a:tblPr firstRow="1" bandRow="1">
+                <a:tableStyleId>{5C22544A-7EE6-4342-B048-85BDC9FD1C3A}</a:tableStyleId>
+              </a:tblPr>
+              <a:tblGrid>
+                <a:gridCol w="3967480">
+                  <a:extLst>
+                    <a:ext uri="{9D8B030D-6E8A-4147-A177-3AD203B41FA5}">
+                      <a16:colId xmlns:a16="http://schemas.microsoft.com/office/drawing/2014/main" val="3303490605"/>
+                    </a:ext>
+                  </a:extLst>
+                </a:gridCol>
+                <a:gridCol w="3967480">
+                  <a:extLst>
+                    <a:ext uri="{9D8B030D-6E8A-4147-A177-3AD203B41FA5}">
+                      <a16:colId xmlns:a16="http://schemas.microsoft.com/office/drawing/2014/main" val="1617876612"/>
+                    </a:ext>
+                  </a:extLst>
+                </a:gridCol>
+              </a:tblGrid>
+              <a:tr h="138722">
+                <a:tc>
+                  <a:txBody>
+                    <a:bodyPr/>
+                    <a:lstStyle/>
+                    <a:p>
+                      <a:r>
+                        <a:rPr lang="de-DE" dirty="0"/>
+                        <a:t>NN trainiert mit GA</a:t>
+                      </a:r>
+                    </a:p>
+                  </a:txBody>
+                  <a:tcPr/>
+                </a:tc>
+                <a:tc>
+                  <a:txBody>
+                    <a:bodyPr/>
+                    <a:lstStyle/>
+                    <a:p>
+                      <a:r>
+                        <a:rPr lang="de-DE" dirty="0"/>
+                        <a:t>NN trainiert mit Backpropagation</a:t>
+                      </a:r>
+                    </a:p>
+                  </a:txBody>
+                  <a:tcPr/>
+                </a:tc>
+                <a:extLst>
+                  <a:ext uri="{0D108BD9-81ED-4DB2-BD59-A6C34878D82A}">
+                    <a16:rowId xmlns:a16="http://schemas.microsoft.com/office/drawing/2014/main" val="3946560539"/>
+                  </a:ext>
+                </a:extLst>
+              </a:tr>
+              <a:tr h="2756878">
+                <a:tc>
+                  <a:txBody>
+                    <a:bodyPr/>
+                    <a:lstStyle/>
+                    <a:p>
+                      <a:r>
+                        <a:rPr lang="en-US" dirty="0"/>
+                        <a:t>Accuracy: 88,0 %</a:t>
+                      </a:r>
+                    </a:p>
+                    <a:p>
+                      <a:r>
+                        <a:rPr lang="en-US" dirty="0"/>
+                        <a:t>Precision:</a:t>
+                      </a:r>
+                    </a:p>
+                    <a:p>
+                      <a:r>
+                        <a:rPr lang="en-US" dirty="0"/>
+                        <a:t> class 1: 91,4 %</a:t>
+                      </a:r>
+                    </a:p>
+                    <a:p>
+                      <a:r>
+                        <a:rPr lang="en-US" dirty="0"/>
+                        <a:t> class 2: 95,3 %</a:t>
+                      </a:r>
+                    </a:p>
+                    <a:p>
+                      <a:r>
+                        <a:rPr lang="en-US" dirty="0"/>
+                        <a:t> class 3: 90,2 %</a:t>
+                      </a:r>
+                    </a:p>
+                    <a:p>
+                      <a:r>
+                        <a:rPr lang="en-US" dirty="0"/>
+                        <a:t> class 4: 85,7 %</a:t>
+                      </a:r>
+                    </a:p>
+                    <a:p>
+                      <a:r>
+                        <a:rPr lang="en-US" dirty="0"/>
+                        <a:t> class 5: 84,7 %</a:t>
+                      </a:r>
+                    </a:p>
+                    <a:p>
+                      <a:r>
+                        <a:rPr lang="en-US" dirty="0"/>
+                        <a:t> class 6: 75,3 %</a:t>
+                      </a:r>
+                    </a:p>
+                    <a:p>
+                      <a:r>
+                        <a:rPr lang="en-US" dirty="0"/>
+                        <a:t> class 7: 88,9 %</a:t>
+                      </a:r>
+                    </a:p>
+                    <a:p>
+                      <a:r>
+                        <a:rPr lang="en-US" dirty="0"/>
+                        <a:t> class 8: 93,6 %</a:t>
+                      </a:r>
+                    </a:p>
+                    <a:p>
+                      <a:r>
+                        <a:rPr lang="en-US" dirty="0"/>
+                        <a:t> class 9: 87,0 %</a:t>
+                      </a:r>
+                    </a:p>
+                    <a:p>
+                      <a:r>
+                        <a:rPr lang="en-US" dirty="0"/>
+                        <a:t> class 10: 84,8 %</a:t>
+                      </a:r>
+                      <a:endParaRPr lang="de-DE" dirty="0"/>
+                    </a:p>
+                  </a:txBody>
+                  <a:tcPr/>
+                </a:tc>
+                <a:tc>
+                  <a:txBody>
+                    <a:bodyPr/>
+                    <a:lstStyle/>
+                    <a:p>
+                      <a:r>
+                        <a:rPr lang="en-US" dirty="0"/>
+                        <a:t>Accuracy: 94,0 %</a:t>
+                      </a:r>
+                    </a:p>
+                    <a:p>
+                      <a:r>
+                        <a:rPr lang="en-US" dirty="0"/>
+                        <a:t>Precision:</a:t>
+                      </a:r>
+                    </a:p>
+                    <a:p>
+                      <a:r>
+                        <a:rPr lang="en-US" dirty="0"/>
+                        <a:t> class 1: 96,1 %</a:t>
+                      </a:r>
+                    </a:p>
+                    <a:p>
+                      <a:r>
+                        <a:rPr lang="en-US" dirty="0"/>
+                        <a:t> class 2: 96,5 %</a:t>
+                      </a:r>
+                    </a:p>
+                    <a:p>
+                      <a:r>
+                        <a:rPr lang="en-US" dirty="0"/>
+                        <a:t> class 3: 87,5 %</a:t>
+                      </a:r>
+                    </a:p>
+                    <a:p>
+                      <a:r>
+                        <a:rPr lang="en-US" dirty="0"/>
+                        <a:t> class 4: 81,9 %</a:t>
+                      </a:r>
+                    </a:p>
+                    <a:p>
+                      <a:r>
+                        <a:rPr lang="en-US" dirty="0"/>
+                        <a:t> class 5: 86,7 %</a:t>
+                      </a:r>
+                    </a:p>
+                    <a:p>
+                      <a:r>
+                        <a:rPr lang="en-US" dirty="0"/>
+                        <a:t> class 6: 72,6 %</a:t>
+                      </a:r>
+                    </a:p>
+                    <a:p>
+                      <a:r>
+                        <a:rPr lang="en-US" dirty="0"/>
+                        <a:t> class 7: 92,0 %</a:t>
+                      </a:r>
+                    </a:p>
+                    <a:p>
+                      <a:r>
+                        <a:rPr lang="en-US" dirty="0"/>
+                        <a:t> class 8: 91,4 %</a:t>
+                      </a:r>
+                    </a:p>
+                    <a:p>
+                      <a:r>
+                        <a:rPr lang="en-US" dirty="0"/>
+                        <a:t> class 9: 87,6 %</a:t>
+                      </a:r>
+                    </a:p>
+                    <a:p>
+                      <a:r>
+                        <a:rPr lang="en-US" dirty="0"/>
+                        <a:t> class 10: 85,3 %</a:t>
+                      </a:r>
+                    </a:p>
+                  </a:txBody>
+                  <a:tcPr/>
+                </a:tc>
+                <a:extLst>
+                  <a:ext uri="{0D108BD9-81ED-4DB2-BD59-A6C34878D82A}">
+                    <a16:rowId xmlns:a16="http://schemas.microsoft.com/office/drawing/2014/main" val="3731949363"/>
+                  </a:ext>
+                </a:extLst>
+              </a:tr>
+            </a:tbl>
+          </a:graphicData>
+        </a:graphic>
+      </p:graphicFrame>
     </p:spTree>
     <p:extLst>
       <p:ext uri="{BB962C8B-B14F-4D97-AF65-F5344CB8AC3E}">
         <p14:creationId xmlns:p14="http://schemas.microsoft.com/office/powerpoint/2010/main" val="316393421"/>
+      </p:ext>
+    </p:extLst>
+  </p:cSld>
+  <p:clrMapOvr>
+    <a:masterClrMapping/>
+  </p:clrMapOvr>
+</p:sld>
+</file>
+
+<file path=ppt/slides/slide9.xml><?xml version="1.0" encoding="utf-8"?>
+<p:sld xmlns:a="http://schemas.openxmlformats.org/drawingml/2006/main" xmlns:r="http://schemas.openxmlformats.org/officeDocument/2006/relationships" xmlns:p="http://schemas.openxmlformats.org/presentationml/2006/main">
+  <p:cSld>
+    <p:spTree>
+      <p:nvGrpSpPr>
+        <p:cNvPr id="1" name=""/>
+        <p:cNvGrpSpPr/>
+        <p:nvPr/>
+      </p:nvGrpSpPr>
+      <p:grpSpPr>
+        <a:xfrm>
+          <a:off x="0" y="0"/>
+          <a:ext cx="0" cy="0"/>
+          <a:chOff x="0" y="0"/>
+          <a:chExt cx="0" cy="0"/>
+        </a:xfrm>
+      </p:grpSpPr>
+      <p:sp>
+        <p:nvSpPr>
+          <p:cNvPr id="4" name="Titel 3">
+            <a:extLst>
+              <a:ext uri="{FF2B5EF4-FFF2-40B4-BE49-F238E27FC236}">
+                <a16:creationId xmlns:a16="http://schemas.microsoft.com/office/drawing/2014/main" id="{2150D1B8-C832-4193-8F07-249592286FA2}"/>
+              </a:ext>
+            </a:extLst>
+          </p:cNvPr>
+          <p:cNvSpPr>
+            <a:spLocks noGrp="1"/>
+          </p:cNvSpPr>
+          <p:nvPr>
+            <p:ph type="title"/>
+          </p:nvPr>
+        </p:nvSpPr>
+        <p:spPr>
+          <a:xfrm>
+            <a:off x="838200" y="365125"/>
+            <a:ext cx="10515600" cy="965835"/>
+          </a:xfrm>
+        </p:spPr>
+        <p:txBody>
+          <a:bodyPr/>
+          <a:lstStyle/>
+          <a:p>
+            <a:r>
+              <a:rPr lang="de-DE" dirty="0"/>
+              <a:t>Schlussfolgerungen Ausblick</a:t>
+            </a:r>
+          </a:p>
+        </p:txBody>
+      </p:sp>
+      <p:sp>
+        <p:nvSpPr>
+          <p:cNvPr id="5" name="Inhaltsplatzhalter 4">
+            <a:extLst>
+              <a:ext uri="{FF2B5EF4-FFF2-40B4-BE49-F238E27FC236}">
+                <a16:creationId xmlns:a16="http://schemas.microsoft.com/office/drawing/2014/main" id="{4781BAB0-1EAD-4B6A-A0F5-F6EB61B90DB1}"/>
+              </a:ext>
+            </a:extLst>
+          </p:cNvPr>
+          <p:cNvSpPr>
+            <a:spLocks noGrp="1"/>
+          </p:cNvSpPr>
+          <p:nvPr>
+            <p:ph idx="1"/>
+          </p:nvPr>
+        </p:nvSpPr>
+        <p:spPr>
+          <a:xfrm>
+            <a:off x="838200" y="1402080"/>
+            <a:ext cx="10515600" cy="4774883"/>
+          </a:xfrm>
+        </p:spPr>
+        <p:txBody>
+          <a:bodyPr/>
+          <a:lstStyle/>
+          <a:p>
+            <a:r>
+              <a:rPr lang="en-CA" dirty="0"/>
+              <a:t>R</a:t>
+            </a:r>
+            <a:r>
+              <a:rPr lang="de-DE" dirty="0" err="1"/>
+              <a:t>echnerkapazitäten</a:t>
+            </a:r>
+            <a:r>
+              <a:rPr lang="de-DE" dirty="0"/>
+              <a:t> und Laufzeit </a:t>
+            </a:r>
+          </a:p>
+          <a:p>
+            <a:pPr lvl="1"/>
+            <a:r>
+              <a:rPr lang="de-DE" dirty="0"/>
+              <a:t>Je größer die Population desto länge dauert das Training mit GA im Vergleich zum Training mit Backpropagation</a:t>
+            </a:r>
+          </a:p>
+          <a:p>
+            <a:pPr marL="265113" lvl="1" indent="-265113"/>
+            <a:r>
+              <a:rPr lang="de-DE" dirty="0"/>
+              <a:t>Man erreicht ähnliche Ergebnisse mit GA und Backpropagation </a:t>
+            </a:r>
+          </a:p>
+          <a:p>
+            <a:pPr marL="265113" lvl="1" indent="-265113"/>
+            <a:r>
+              <a:rPr lang="de-DE" dirty="0"/>
+              <a:t>Das Training mit Backpropagation liefert bessere Ergebnisse auch wegen der einfachen Struktur. </a:t>
+            </a:r>
+          </a:p>
+          <a:p>
+            <a:pPr marL="457200" lvl="1" indent="0">
+              <a:buNone/>
+            </a:pPr>
+            <a:endParaRPr lang="de-DE" dirty="0"/>
+          </a:p>
+          <a:p>
+            <a:pPr marL="265113" lvl="1" indent="-265113">
+              <a:tabLst>
+                <a:tab pos="265113" algn="l"/>
+              </a:tabLst>
+            </a:pPr>
+            <a:r>
+              <a:rPr lang="de-DE" dirty="0"/>
+              <a:t>Ausblick: </a:t>
+            </a:r>
+          </a:p>
+          <a:p>
+            <a:pPr marL="722313" lvl="2" indent="-265113">
+              <a:tabLst>
+                <a:tab pos="265113" algn="l"/>
+              </a:tabLst>
+            </a:pPr>
+            <a:r>
+              <a:rPr lang="de-DE" dirty="0"/>
+              <a:t>GA konnte für das Training von NN eigenständig verwendet werden</a:t>
+            </a:r>
+          </a:p>
+          <a:p>
+            <a:pPr marL="722313" lvl="2" indent="-265113">
+              <a:tabLst>
+                <a:tab pos="265113" algn="l"/>
+              </a:tabLst>
+            </a:pPr>
+            <a:r>
+              <a:rPr lang="de-DE" dirty="0"/>
+              <a:t>oder alternativ eingesetzt werden, wo das Training mit Backpropagation die Genauigkeit des Netzes nicht verbessert. </a:t>
+            </a:r>
+          </a:p>
+          <a:p>
+            <a:pPr marL="722313" lvl="2" indent="-265113">
+              <a:tabLst>
+                <a:tab pos="265113" algn="l"/>
+              </a:tabLst>
+            </a:pPr>
+            <a:r>
+              <a:rPr lang="de-DE" dirty="0"/>
+              <a:t>Somit kann man die Vorteile verschiedener Trainingsansätze kombinieren</a:t>
+            </a:r>
+          </a:p>
+          <a:p>
+            <a:pPr lvl="1"/>
+            <a:endParaRPr lang="de-DE" dirty="0"/>
+          </a:p>
+        </p:txBody>
+      </p:sp>
+    </p:spTree>
+    <p:extLst>
+      <p:ext uri="{BB962C8B-B14F-4D97-AF65-F5344CB8AC3E}">
+        <p14:creationId xmlns:p14="http://schemas.microsoft.com/office/powerpoint/2010/main" val="445199204"/>
       </p:ext>
     </p:extLst>
   </p:cSld>
